--- a/database/8강 SQL Join.pptx
+++ b/database/8강 SQL Join.pptx
@@ -28,11 +28,17 @@
     <p:sldId id="426" r:id="rId22"/>
     <p:sldId id="427" r:id="rId23"/>
     <p:sldId id="428" r:id="rId24"/>
-    <p:sldId id="408" r:id="rId25"/>
-    <p:sldId id="429" r:id="rId26"/>
-    <p:sldId id="430" r:id="rId27"/>
-    <p:sldId id="409" r:id="rId28"/>
-    <p:sldId id="431" r:id="rId29"/>
+    <p:sldId id="432" r:id="rId25"/>
+    <p:sldId id="408" r:id="rId26"/>
+    <p:sldId id="429" r:id="rId27"/>
+    <p:sldId id="430" r:id="rId28"/>
+    <p:sldId id="433" r:id="rId29"/>
+    <p:sldId id="409" r:id="rId30"/>
+    <p:sldId id="431" r:id="rId31"/>
+    <p:sldId id="434" r:id="rId32"/>
+    <p:sldId id="435" r:id="rId33"/>
+    <p:sldId id="436" r:id="rId34"/>
+    <p:sldId id="437" r:id="rId35"/>
   </p:sldIdLst>
   <p:sldSz cx="12192000" cy="6858000"/>
   <p:notesSz cx="6858000" cy="9144000"/>
@@ -162,11 +168,17 @@
             <p14:sldId id="426"/>
             <p14:sldId id="427"/>
             <p14:sldId id="428"/>
+            <p14:sldId id="432"/>
             <p14:sldId id="408"/>
             <p14:sldId id="429"/>
             <p14:sldId id="430"/>
+            <p14:sldId id="433"/>
             <p14:sldId id="409"/>
             <p14:sldId id="431"/>
+            <p14:sldId id="434"/>
+            <p14:sldId id="435"/>
+            <p14:sldId id="436"/>
+            <p14:sldId id="437"/>
           </p14:sldIdLst>
         </p14:section>
       </p14:sectionLst>
@@ -343,7 +355,7 @@
                 </a:solidFill>
               </a:rPr>
               <a:pPr/>
-              <a:t>2022-06-03</a:t>
+              <a:t>2022-06-05</a:t>
             </a:fld>
             <a:endParaRPr lang="ko-KR" altLang="en-US">
               <a:solidFill>
@@ -573,7 +585,7 @@
                 </a:solidFill>
               </a:rPr>
               <a:pPr/>
-              <a:t>2022-06-03</a:t>
+              <a:t>2022-06-05</a:t>
             </a:fld>
             <a:endParaRPr lang="ko-KR" altLang="en-US">
               <a:solidFill>
@@ -813,7 +825,7 @@
                 </a:solidFill>
               </a:rPr>
               <a:pPr/>
-              <a:t>2022-06-03</a:t>
+              <a:t>2022-06-05</a:t>
             </a:fld>
             <a:endParaRPr lang="ko-KR" altLang="en-US">
               <a:solidFill>
@@ -1045,7 +1057,7 @@
                 <a:latin typeface="맑은 고딕" charset="0"/>
                 <a:ea typeface="맑은 고딕" charset="0"/>
               </a:rPr>
-              <a:t>2022-06-03</a:t>
+              <a:t>2022-06-05</a:t>
             </a:fld>
             <a:endParaRPr lang="ko-KR" altLang="en-US">
               <a:solidFill>
@@ -1324,7 +1336,7 @@
                 <a:latin typeface="맑은 고딕" charset="0"/>
                 <a:ea typeface="맑은 고딕" charset="0"/>
               </a:rPr>
-              <a:t>2022-06-03</a:t>
+              <a:t>2022-06-05</a:t>
             </a:fld>
             <a:endParaRPr lang="ko-KR" altLang="en-US">
               <a:solidFill>
@@ -1566,7 +1578,7 @@
                 <a:latin typeface="맑은 고딕" charset="0"/>
                 <a:ea typeface="맑은 고딕" charset="0"/>
               </a:rPr>
-              <a:t>2022-06-03</a:t>
+              <a:t>2022-06-05</a:t>
             </a:fld>
             <a:endParaRPr lang="ko-KR" altLang="en-US">
               <a:solidFill>
@@ -1921,7 +1933,7 @@
                 <a:latin typeface="맑은 고딕" charset="0"/>
                 <a:ea typeface="맑은 고딕" charset="0"/>
               </a:rPr>
-              <a:t>2022-06-03</a:t>
+              <a:t>2022-06-05</a:t>
             </a:fld>
             <a:endParaRPr lang="ko-KR" altLang="en-US">
               <a:solidFill>
@@ -2354,7 +2366,7 @@
                 <a:latin typeface="맑은 고딕" charset="0"/>
                 <a:ea typeface="맑은 고딕" charset="0"/>
               </a:rPr>
-              <a:t>2022-06-03</a:t>
+              <a:t>2022-06-05</a:t>
             </a:fld>
             <a:endParaRPr lang="ko-KR" altLang="en-US">
               <a:solidFill>
@@ -2557,7 +2569,7 @@
                 <a:latin typeface="맑은 고딕" charset="0"/>
                 <a:ea typeface="맑은 고딕" charset="0"/>
               </a:rPr>
-              <a:t>2022-06-03</a:t>
+              <a:t>2022-06-05</a:t>
             </a:fld>
             <a:endParaRPr lang="ko-KR" altLang="en-US">
               <a:solidFill>
@@ -2721,7 +2733,7 @@
                 <a:latin typeface="맑은 고딕" charset="0"/>
                 <a:ea typeface="맑은 고딕" charset="0"/>
               </a:rPr>
-              <a:t>2022-06-03</a:t>
+              <a:t>2022-06-05</a:t>
             </a:fld>
             <a:endParaRPr lang="ko-KR" altLang="en-US">
               <a:solidFill>
@@ -3039,7 +3051,7 @@
                 <a:latin typeface="맑은 고딕" charset="0"/>
                 <a:ea typeface="맑은 고딕" charset="0"/>
               </a:rPr>
-              <a:t>2022-06-03</a:t>
+              <a:t>2022-06-05</a:t>
             </a:fld>
             <a:endParaRPr lang="ko-KR" altLang="en-US">
               <a:solidFill>
@@ -3279,7 +3291,7 @@
                 </a:solidFill>
               </a:rPr>
               <a:pPr/>
-              <a:t>2022-06-03</a:t>
+              <a:t>2022-06-05</a:t>
             </a:fld>
             <a:endParaRPr lang="ko-KR" altLang="en-US">
               <a:solidFill>
@@ -3531,7 +3543,7 @@
                 <a:latin typeface="맑은 고딕" charset="0"/>
                 <a:ea typeface="맑은 고딕" charset="0"/>
               </a:rPr>
-              <a:t>2022-06-03</a:t>
+              <a:t>2022-06-05</a:t>
             </a:fld>
             <a:endParaRPr lang="ko-KR" altLang="en-US">
               <a:solidFill>
@@ -3810,7 +3822,7 @@
                 <a:latin typeface="맑은 고딕" charset="0"/>
                 <a:ea typeface="맑은 고딕" charset="0"/>
               </a:rPr>
-              <a:t>2022-06-03</a:t>
+              <a:t>2022-06-05</a:t>
             </a:fld>
             <a:endParaRPr lang="ko-KR" altLang="en-US">
               <a:solidFill>
@@ -4089,7 +4101,7 @@
                 <a:latin typeface="맑은 고딕" charset="0"/>
                 <a:ea typeface="맑은 고딕" charset="0"/>
               </a:rPr>
-              <a:t>2022-06-03</a:t>
+              <a:t>2022-06-05</a:t>
             </a:fld>
             <a:endParaRPr lang="ko-KR" altLang="en-US">
               <a:solidFill>
@@ -4406,7 +4418,7 @@
                 </a:solidFill>
               </a:rPr>
               <a:pPr/>
-              <a:t>2022-06-03</a:t>
+              <a:t>2022-06-05</a:t>
             </a:fld>
             <a:endParaRPr lang="ko-KR" altLang="en-US">
               <a:solidFill>
@@ -4703,7 +4715,7 @@
                 </a:solidFill>
               </a:rPr>
               <a:pPr/>
-              <a:t>2022-06-03</a:t>
+              <a:t>2022-06-05</a:t>
             </a:fld>
             <a:endParaRPr lang="ko-KR" altLang="en-US">
               <a:solidFill>
@@ -5147,7 +5159,7 @@
                 </a:solidFill>
               </a:rPr>
               <a:pPr/>
-              <a:t>2022-06-03</a:t>
+              <a:t>2022-06-05</a:t>
             </a:fld>
             <a:endParaRPr lang="ko-KR" altLang="en-US">
               <a:solidFill>
@@ -5320,7 +5332,7 @@
                 </a:solidFill>
               </a:rPr>
               <a:pPr/>
-              <a:t>2022-06-03</a:t>
+              <a:t>2022-06-05</a:t>
             </a:fld>
             <a:endParaRPr lang="ko-KR" altLang="en-US">
               <a:solidFill>
@@ -5465,7 +5477,7 @@
                 </a:solidFill>
               </a:rPr>
               <a:pPr/>
-              <a:t>2022-06-03</a:t>
+              <a:t>2022-06-05</a:t>
             </a:fld>
             <a:endParaRPr lang="ko-KR" altLang="en-US">
               <a:solidFill>
@@ -6834,7 +6846,7 @@
                 </a:solidFill>
               </a:rPr>
               <a:pPr/>
-              <a:t>2022-06-03</a:t>
+              <a:t>2022-06-05</a:t>
             </a:fld>
             <a:endParaRPr lang="ko-KR" altLang="en-US">
               <a:solidFill>
@@ -7154,7 +7166,7 @@
                 </a:solidFill>
               </a:rPr>
               <a:pPr/>
-              <a:t>2022-06-03</a:t>
+              <a:t>2022-06-05</a:t>
             </a:fld>
             <a:endParaRPr lang="ko-KR" altLang="en-US">
               <a:solidFill>
@@ -7427,7 +7439,7 @@
                 </a:solidFill>
               </a:rPr>
               <a:pPr/>
-              <a:t>2022-06-03</a:t>
+              <a:t>2022-06-05</a:t>
             </a:fld>
             <a:endParaRPr lang="ko-KR" altLang="en-US">
               <a:solidFill>
@@ -8028,7 +8040,7 @@
                 <a:latin typeface="맑은 고딕" charset="0"/>
                 <a:ea typeface="맑은 고딕" charset="0"/>
               </a:rPr>
-              <a:t>2022-06-03</a:t>
+              <a:t>2022-06-05</a:t>
             </a:fld>
             <a:endParaRPr lang="ko-KR" altLang="en-US">
               <a:solidFill>
@@ -11651,7 +11663,7 @@
       </p:grpSpPr>
       <p:sp>
         <p:nvSpPr>
-          <p:cNvPr id="44" name="도형 17"/>
+          <p:cNvPr id="12" name="도형 17"/>
           <p:cNvSpPr>
             <a:spLocks/>
           </p:cNvSpPr>
@@ -11701,7 +11713,7 @@
       </p:sp>
       <p:sp>
         <p:nvSpPr>
-          <p:cNvPr id="7" name="내용 개체 틀 2"/>
+          <p:cNvPr id="10" name="내용 개체 틀 2"/>
           <p:cNvSpPr txBox="1">
             <a:spLocks/>
           </p:cNvSpPr>
@@ -11709,8 +11721,8 @@
         </p:nvSpPr>
         <p:spPr>
           <a:xfrm>
-            <a:off x="457199" y="1600200"/>
-            <a:ext cx="11554691" cy="4525963"/>
+            <a:off x="457200" y="1240078"/>
+            <a:ext cx="11222182" cy="4886086"/>
           </a:xfrm>
           <a:prstGeom prst="rect">
             <a:avLst/>
@@ -11887,249 +11899,137 @@
               <a:buNone/>
             </a:pPr>
             <a:r>
-              <a:rPr lang="en-US" altLang="ko-KR" dirty="0"/>
-              <a:t>2. Left Join</a:t>
-            </a:r>
-          </a:p>
-          <a:p>
-            <a:pPr marL="0" indent="0">
-              <a:buNone/>
-            </a:pPr>
-            <a:r>
-              <a:rPr lang="en-US" altLang="ko-KR" dirty="0"/>
-              <a:t>  - </a:t>
-            </a:r>
-            <a:r>
-              <a:rPr lang="ko-KR" altLang="en-US" dirty="0"/>
-              <a:t>정의 </a:t>
-            </a:r>
-            <a:r>
-              <a:rPr lang="en-US" altLang="ko-KR" dirty="0"/>
-              <a:t>: </a:t>
-            </a:r>
-            <a:r>
-              <a:rPr lang="ko-KR" altLang="en-US" dirty="0"/>
-              <a:t>첫 테이블에 존재하고 두번째 테이블에 존재하지 않아도 출력</a:t>
-            </a:r>
-            <a:endParaRPr lang="en-US" altLang="ko-KR" dirty="0"/>
-          </a:p>
-          <a:p>
-            <a:pPr marL="0" indent="0">
-              <a:buNone/>
-            </a:pPr>
-            <a:r>
-              <a:rPr lang="en-US" altLang="ko-KR" dirty="0"/>
-              <a:t>  - </a:t>
-            </a:r>
-            <a:r>
-              <a:rPr lang="ko-KR" altLang="en-US" dirty="0"/>
-              <a:t>형태</a:t>
-            </a:r>
-            <a:endParaRPr lang="en-US" altLang="ko-KR" dirty="0"/>
-          </a:p>
-          <a:p>
-            <a:pPr marL="0" indent="0">
-              <a:buNone/>
-            </a:pPr>
-            <a:r>
-              <a:rPr lang="en-US" altLang="ko-KR" dirty="0"/>
-              <a:t>   </a:t>
+              <a:rPr lang="ko-KR" altLang="en-US" dirty="0" smtClean="0"/>
+              <a:t>실습 </a:t>
+            </a:r>
+            <a:r>
+              <a:rPr lang="en-US" altLang="ko-KR" dirty="0" smtClean="0"/>
+              <a:t>1. </a:t>
+            </a:r>
+            <a:r>
+              <a:rPr lang="ko-KR" altLang="en-US" dirty="0" smtClean="0"/>
+              <a:t>상품권을 수령한 사람들의 이름</a:t>
+            </a:r>
+            <a:r>
+              <a:rPr lang="en-US" altLang="ko-KR" dirty="0" smtClean="0"/>
+              <a:t>,</a:t>
             </a:r>
             <a:r>
               <a:rPr lang="ko-KR" altLang="en-US" dirty="0"/>
               <a:t> </a:t>
             </a:r>
             <a:r>
+              <a:rPr lang="ko-KR" altLang="en-US" dirty="0" smtClean="0"/>
+              <a:t>연락처</a:t>
+            </a:r>
+            <a:r>
+              <a:rPr lang="en-US" altLang="ko-KR" dirty="0" smtClean="0"/>
+              <a:t>, </a:t>
+            </a:r>
+            <a:r>
+              <a:rPr lang="ko-KR" altLang="en-US" dirty="0" err="1" smtClean="0"/>
+              <a:t>수령금액</a:t>
+            </a:r>
+            <a:r>
+              <a:rPr lang="en-US" altLang="ko-KR" dirty="0" smtClean="0"/>
+              <a:t>, </a:t>
+            </a:r>
+            <a:r>
+              <a:rPr lang="ko-KR" altLang="en-US" dirty="0" err="1" smtClean="0"/>
+              <a:t>수령일자</a:t>
+            </a:r>
+            <a:r>
+              <a:rPr lang="ko-KR" altLang="en-US" dirty="0" smtClean="0"/>
+              <a:t> 등을 </a:t>
+            </a:r>
+            <a:r>
+              <a:rPr lang="ko-KR" altLang="en-US" dirty="0" err="1" smtClean="0"/>
+              <a:t>출력하시오</a:t>
+            </a:r>
+            <a:r>
+              <a:rPr lang="en-US" altLang="ko-KR" dirty="0" smtClean="0"/>
+              <a:t>.</a:t>
+            </a:r>
+          </a:p>
+          <a:p>
+            <a:pPr marL="0" indent="0">
+              <a:buNone/>
+            </a:pPr>
+            <a:endParaRPr lang="en-US" altLang="ko-KR" dirty="0"/>
+          </a:p>
+          <a:p>
+            <a:pPr marL="0" indent="0">
+              <a:buNone/>
+            </a:pPr>
+            <a:r>
+              <a:rPr lang="ko-KR" altLang="en-US" dirty="0" smtClean="0"/>
+              <a:t>실습 </a:t>
+            </a:r>
+            <a:r>
+              <a:rPr lang="en-US" altLang="ko-KR" dirty="0" smtClean="0"/>
+              <a:t>2. </a:t>
+            </a:r>
+            <a:r>
+              <a:rPr lang="ko-KR" altLang="en-US" dirty="0" smtClean="0"/>
+              <a:t>상품권을 수령한 </a:t>
+            </a:r>
+            <a:r>
+              <a:rPr lang="en-US" altLang="ko-KR" dirty="0" smtClean="0"/>
+              <a:t>20</a:t>
+            </a:r>
+            <a:r>
+              <a:rPr lang="ko-KR" altLang="en-US" dirty="0" smtClean="0"/>
+              <a:t>대 사람들의 이름</a:t>
+            </a:r>
+            <a:r>
               <a:rPr lang="en-US" altLang="ko-KR" dirty="0"/>
-              <a:t>SELECT </a:t>
+              <a:t>,</a:t>
             </a:r>
             <a:r>
               <a:rPr lang="ko-KR" altLang="en-US" dirty="0"/>
-              <a:t>컬럼</a:t>
-            </a:r>
+              <a:t> 연락처</a:t>
+            </a:r>
+            <a:r>
+              <a:rPr lang="en-US" altLang="ko-KR" dirty="0"/>
+              <a:t>, </a:t>
+            </a:r>
+            <a:r>
+              <a:rPr lang="ko-KR" altLang="en-US" dirty="0" err="1"/>
+              <a:t>수령금액</a:t>
+            </a:r>
+            <a:r>
+              <a:rPr lang="en-US" altLang="ko-KR" dirty="0"/>
+              <a:t>, </a:t>
+            </a:r>
+            <a:r>
+              <a:rPr lang="ko-KR" altLang="en-US" dirty="0" err="1"/>
+              <a:t>수령일자</a:t>
+            </a:r>
+            <a:r>
+              <a:rPr lang="ko-KR" altLang="en-US" dirty="0"/>
+              <a:t> 등을 </a:t>
+            </a:r>
+            <a:r>
+              <a:rPr lang="ko-KR" altLang="en-US" dirty="0" err="1"/>
+              <a:t>출력하시오</a:t>
+            </a:r>
+            <a:r>
+              <a:rPr lang="en-US" altLang="ko-KR" dirty="0"/>
+              <a:t>.</a:t>
+            </a:r>
+          </a:p>
+          <a:p>
+            <a:pPr marL="0" indent="0">
+              <a:buNone/>
+            </a:pPr>
             <a:endParaRPr lang="en-US" altLang="ko-KR" dirty="0"/>
-          </a:p>
-          <a:p>
-            <a:pPr marL="0" indent="0">
-              <a:buNone/>
-            </a:pPr>
-            <a:r>
-              <a:rPr lang="en-US" altLang="ko-KR" dirty="0"/>
-              <a:t>     </a:t>
-            </a:r>
-            <a:r>
-              <a:rPr lang="ko-KR" altLang="en-US" dirty="0"/>
-              <a:t> </a:t>
-            </a:r>
-            <a:r>
-              <a:rPr lang="en-US" altLang="ko-KR" dirty="0"/>
-              <a:t>FROM </a:t>
-            </a:r>
-            <a:r>
-              <a:rPr lang="ko-KR" altLang="en-US" dirty="0"/>
-              <a:t>테이블</a:t>
-            </a:r>
-            <a:r>
-              <a:rPr lang="en-US" altLang="ko-KR" dirty="0"/>
-              <a:t>1 AS A</a:t>
-            </a:r>
-          </a:p>
-          <a:p>
-            <a:pPr marL="0" indent="0">
-              <a:buNone/>
-            </a:pPr>
-            <a:r>
-              <a:rPr lang="en-US" altLang="ko-KR" dirty="0"/>
-              <a:t>     LEFT JOIN </a:t>
-            </a:r>
-            <a:r>
-              <a:rPr lang="ko-KR" altLang="en-US" dirty="0"/>
-              <a:t>테이블</a:t>
-            </a:r>
-            <a:r>
-              <a:rPr lang="en-US" altLang="ko-KR" dirty="0"/>
-              <a:t>2 AS B</a:t>
-            </a:r>
-          </a:p>
-          <a:p>
-            <a:pPr marL="0" indent="0">
-              <a:buNone/>
-            </a:pPr>
-            <a:r>
-              <a:rPr lang="en-US" altLang="ko-KR" dirty="0"/>
-              <a:t>     ON A.</a:t>
-            </a:r>
-            <a:r>
-              <a:rPr lang="ko-KR" altLang="en-US" dirty="0" err="1"/>
-              <a:t>키컬럼</a:t>
-            </a:r>
-            <a:r>
-              <a:rPr lang="en-US" altLang="ko-KR" dirty="0"/>
-              <a:t>1 = B.</a:t>
-            </a:r>
-            <a:r>
-              <a:rPr lang="ko-KR" altLang="en-US" dirty="0" err="1"/>
-              <a:t>키컬럼</a:t>
-            </a:r>
-            <a:r>
-              <a:rPr lang="en-US" altLang="ko-KR" dirty="0"/>
-              <a:t>1</a:t>
-            </a:r>
-          </a:p>
-        </p:txBody>
-      </p:sp>
-      <p:sp>
-        <p:nvSpPr>
-          <p:cNvPr id="8" name="타원 7"/>
-          <p:cNvSpPr/>
-          <p:nvPr/>
-        </p:nvSpPr>
-        <p:spPr>
-          <a:xfrm>
-            <a:off x="8672109" y="3144704"/>
-            <a:ext cx="1656184" cy="1656184"/>
-          </a:xfrm>
-          <a:prstGeom prst="ellipse">
-            <a:avLst/>
-          </a:prstGeom>
-          <a:solidFill>
-            <a:srgbClr val="FF0000"/>
-          </a:solidFill>
-        </p:spPr>
-        <p:style>
-          <a:lnRef idx="2">
-            <a:schemeClr val="accent1">
-              <a:shade val="50000"/>
-            </a:schemeClr>
-          </a:lnRef>
-          <a:fillRef idx="1">
-            <a:schemeClr val="accent1"/>
-          </a:fillRef>
-          <a:effectRef idx="0">
-            <a:schemeClr val="accent1"/>
-          </a:effectRef>
-          <a:fontRef idx="minor">
-            <a:schemeClr val="lt1"/>
-          </a:fontRef>
-        </p:style>
-        <p:txBody>
-          <a:bodyPr rtlCol="0" anchor="ctr"/>
-          <a:lstStyle/>
-          <a:p>
-            <a:pPr algn="ctr"/>
-            <a:r>
-              <a:rPr lang="en-US" altLang="ko-KR" sz="2000" b="1" dirty="0">
-                <a:solidFill>
-                  <a:schemeClr val="tx1"/>
-                </a:solidFill>
-              </a:rPr>
-              <a:t>A</a:t>
-            </a:r>
-            <a:endParaRPr lang="ko-KR" altLang="en-US" sz="2000" b="1" dirty="0">
-              <a:solidFill>
-                <a:schemeClr val="tx1"/>
-              </a:solidFill>
-            </a:endParaRPr>
-          </a:p>
-        </p:txBody>
-      </p:sp>
-      <p:sp>
-        <p:nvSpPr>
-          <p:cNvPr id="9" name="타원 8"/>
-          <p:cNvSpPr/>
-          <p:nvPr/>
-        </p:nvSpPr>
-        <p:spPr>
-          <a:xfrm>
-            <a:off x="9738641" y="3140968"/>
-            <a:ext cx="1656184" cy="1656184"/>
-          </a:xfrm>
-          <a:prstGeom prst="ellipse">
-            <a:avLst/>
-          </a:prstGeom>
-          <a:noFill/>
-        </p:spPr>
-        <p:style>
-          <a:lnRef idx="2">
-            <a:schemeClr val="accent1">
-              <a:shade val="50000"/>
-            </a:schemeClr>
-          </a:lnRef>
-          <a:fillRef idx="1">
-            <a:schemeClr val="accent1"/>
-          </a:fillRef>
-          <a:effectRef idx="0">
-            <a:schemeClr val="accent1"/>
-          </a:effectRef>
-          <a:fontRef idx="minor">
-            <a:schemeClr val="lt1"/>
-          </a:fontRef>
-        </p:style>
-        <p:txBody>
-          <a:bodyPr rtlCol="0" anchor="ctr"/>
-          <a:lstStyle/>
-          <a:p>
-            <a:pPr algn="ctr"/>
-            <a:r>
-              <a:rPr lang="en-US" altLang="ko-KR" sz="2000" b="1" dirty="0" smtClean="0">
-                <a:solidFill>
-                  <a:schemeClr val="tx1"/>
-                </a:solidFill>
-              </a:rPr>
-              <a:t>B</a:t>
-            </a:r>
-            <a:endParaRPr lang="ko-KR" altLang="en-US" sz="2000" b="1" dirty="0">
-              <a:solidFill>
-                <a:schemeClr val="tx1"/>
-              </a:solidFill>
-            </a:endParaRPr>
           </a:p>
         </p:txBody>
       </p:sp>
     </p:spTree>
     <p:extLst>
       <p:ext uri="{BB962C8B-B14F-4D97-AF65-F5344CB8AC3E}">
-        <p14:creationId xmlns:p14="http://schemas.microsoft.com/office/powerpoint/2010/main" val="1966904031"/>
+        <p14:creationId xmlns:p14="http://schemas.microsoft.com/office/powerpoint/2010/main" val="345660148"/>
       </p:ext>
     </p:extLst>
   </p:cSld>
@@ -12216,8 +12116,8 @@
         </p:nvSpPr>
         <p:spPr>
           <a:xfrm>
-            <a:off x="457200" y="1600200"/>
-            <a:ext cx="11222182" cy="4525963"/>
+            <a:off x="457199" y="1600200"/>
+            <a:ext cx="11554691" cy="4525963"/>
           </a:xfrm>
           <a:prstGeom prst="rect">
             <a:avLst/>
@@ -12395,23 +12295,7 @@
             </a:pPr>
             <a:r>
               <a:rPr lang="en-US" altLang="ko-KR" dirty="0"/>
-              <a:t>2</a:t>
-            </a:r>
-            <a:r>
-              <a:rPr lang="en-US" altLang="ko-KR" dirty="0" smtClean="0"/>
-              <a:t>. </a:t>
-            </a:r>
-            <a:r>
-              <a:rPr lang="en-US" altLang="ko-KR" dirty="0" smtClean="0"/>
-              <a:t>Left</a:t>
-            </a:r>
-            <a:r>
-              <a:rPr lang="en-US" altLang="ko-KR" dirty="0" smtClean="0"/>
-              <a:t> </a:t>
-            </a:r>
-            <a:r>
-              <a:rPr lang="en-US" altLang="ko-KR" dirty="0"/>
-              <a:t>Join</a:t>
+              <a:t>2. Left Join</a:t>
             </a:r>
           </a:p>
           <a:p>
@@ -12424,129 +12308,235 @@
             </a:r>
             <a:r>
               <a:rPr lang="ko-KR" altLang="en-US" dirty="0"/>
-              <a:t>예제 </a:t>
+              <a:t>정의 </a:t>
+            </a:r>
+            <a:r>
+              <a:rPr lang="en-US" altLang="ko-KR" dirty="0"/>
+              <a:t>: </a:t>
+            </a:r>
+            <a:r>
+              <a:rPr lang="ko-KR" altLang="en-US" dirty="0"/>
+              <a:t>첫 테이블에 존재하고 두번째 테이블에 존재하지 않아도 출력</a:t>
+            </a:r>
+            <a:endParaRPr lang="en-US" altLang="ko-KR" dirty="0"/>
+          </a:p>
+          <a:p>
+            <a:pPr marL="0" indent="0">
+              <a:buNone/>
+            </a:pPr>
+            <a:r>
+              <a:rPr lang="en-US" altLang="ko-KR" dirty="0"/>
+              <a:t>  - </a:t>
+            </a:r>
+            <a:r>
+              <a:rPr lang="ko-KR" altLang="en-US" dirty="0"/>
+              <a:t>형태</a:t>
+            </a:r>
+            <a:endParaRPr lang="en-US" altLang="ko-KR" dirty="0"/>
+          </a:p>
+          <a:p>
+            <a:pPr marL="0" indent="0">
+              <a:buNone/>
+            </a:pPr>
+            <a:r>
+              <a:rPr lang="en-US" altLang="ko-KR" dirty="0"/>
+              <a:t>   </a:t>
+            </a:r>
+            <a:r>
+              <a:rPr lang="ko-KR" altLang="en-US" dirty="0"/>
+              <a:t> </a:t>
+            </a:r>
+            <a:r>
+              <a:rPr lang="en-US" altLang="ko-KR" dirty="0"/>
+              <a:t>SELECT </a:t>
+            </a:r>
+            <a:r>
+              <a:rPr lang="ko-KR" altLang="en-US" dirty="0"/>
+              <a:t>컬럼</a:t>
+            </a:r>
+            <a:endParaRPr lang="en-US" altLang="ko-KR" dirty="0"/>
+          </a:p>
+          <a:p>
+            <a:pPr marL="0" indent="0">
+              <a:buNone/>
+            </a:pPr>
+            <a:r>
+              <a:rPr lang="en-US" altLang="ko-KR" dirty="0"/>
+              <a:t>     </a:t>
+            </a:r>
+            <a:r>
+              <a:rPr lang="ko-KR" altLang="en-US" dirty="0"/>
+              <a:t> </a:t>
+            </a:r>
+            <a:r>
+              <a:rPr lang="en-US" altLang="ko-KR" dirty="0"/>
+              <a:t>FROM </a:t>
+            </a:r>
+            <a:r>
+              <a:rPr lang="ko-KR" altLang="en-US" dirty="0"/>
+              <a:t>테이블</a:t>
+            </a:r>
+            <a:r>
+              <a:rPr lang="en-US" altLang="ko-KR" dirty="0"/>
+              <a:t>1 AS A</a:t>
+            </a:r>
+          </a:p>
+          <a:p>
+            <a:pPr marL="0" indent="0">
+              <a:buNone/>
+            </a:pPr>
+            <a:r>
+              <a:rPr lang="en-US" altLang="ko-KR" dirty="0"/>
+              <a:t>     LEFT JOIN </a:t>
+            </a:r>
+            <a:r>
+              <a:rPr lang="ko-KR" altLang="en-US" dirty="0"/>
+              <a:t>테이블</a:t>
+            </a:r>
+            <a:r>
+              <a:rPr lang="en-US" altLang="ko-KR" dirty="0"/>
+              <a:t>2 AS B</a:t>
+            </a:r>
+          </a:p>
+          <a:p>
+            <a:pPr marL="0" indent="0">
+              <a:buNone/>
+            </a:pPr>
+            <a:r>
+              <a:rPr lang="en-US" altLang="ko-KR" dirty="0"/>
+              <a:t>     ON A.</a:t>
+            </a:r>
+            <a:r>
+              <a:rPr lang="ko-KR" altLang="en-US" dirty="0" err="1"/>
+              <a:t>키컬럼</a:t>
+            </a:r>
+            <a:r>
+              <a:rPr lang="en-US" altLang="ko-KR" dirty="0"/>
+              <a:t>1 = B.</a:t>
+            </a:r>
+            <a:r>
+              <a:rPr lang="ko-KR" altLang="en-US" dirty="0" err="1"/>
+              <a:t>키컬럼</a:t>
             </a:r>
             <a:r>
               <a:rPr lang="en-US" altLang="ko-KR" dirty="0"/>
               <a:t>1</a:t>
             </a:r>
           </a:p>
-          <a:p>
-            <a:pPr marL="0" indent="0">
-              <a:buNone/>
-            </a:pPr>
-            <a:r>
-              <a:rPr lang="en-US" altLang="ko-KR" dirty="0"/>
-              <a:t>   </a:t>
-            </a:r>
-            <a:r>
-              <a:rPr lang="ko-KR" altLang="en-US" dirty="0"/>
-              <a:t> </a:t>
-            </a:r>
-            <a:r>
-              <a:rPr lang="en-US" altLang="ko-KR" dirty="0"/>
-              <a:t>SELECT A.C_ID, </a:t>
-            </a:r>
-            <a:r>
-              <a:rPr lang="en-US" altLang="ko-KR" dirty="0" smtClean="0"/>
-              <a:t>A.C_NAME</a:t>
-            </a:r>
-          </a:p>
-          <a:p>
-            <a:pPr marL="0" indent="0">
-              <a:buNone/>
-            </a:pPr>
-            <a:r>
-              <a:rPr lang="en-US" altLang="ko-KR" dirty="0"/>
-              <a:t> </a:t>
-            </a:r>
-            <a:r>
-              <a:rPr lang="en-US" altLang="ko-KR" dirty="0" smtClean="0"/>
-              <a:t>           , </a:t>
-            </a:r>
-            <a:r>
-              <a:rPr lang="en-US" altLang="ko-KR" dirty="0"/>
-              <a:t>B.VOUCHER_AMOUNT</a:t>
-            </a:r>
-          </a:p>
-          <a:p>
-            <a:pPr marL="0" indent="0">
-              <a:buNone/>
-            </a:pPr>
-            <a:r>
-              <a:rPr lang="en-US" altLang="ko-KR" dirty="0"/>
-              <a:t>   </a:t>
-            </a:r>
-            <a:r>
-              <a:rPr lang="en-US" altLang="ko-KR" dirty="0" smtClean="0"/>
-              <a:t>  FROM </a:t>
-            </a:r>
-            <a:r>
-              <a:rPr lang="en-US" altLang="ko-KR" dirty="0"/>
-              <a:t>CUSTOMER AS A</a:t>
-            </a:r>
-          </a:p>
-          <a:p>
-            <a:pPr marL="0" indent="0">
-              <a:buNone/>
-            </a:pPr>
-            <a:r>
-              <a:rPr lang="en-US" altLang="ko-KR" dirty="0" smtClean="0"/>
-              <a:t>     </a:t>
-            </a:r>
-            <a:r>
-              <a:rPr lang="en-US" altLang="ko-KR" dirty="0"/>
-              <a:t>LEFT JOIN VOUCHER AS B</a:t>
-            </a:r>
-          </a:p>
-          <a:p>
-            <a:pPr marL="0" indent="0">
-              <a:buNone/>
-            </a:pPr>
-            <a:r>
-              <a:rPr lang="en-US" altLang="ko-KR" dirty="0"/>
-              <a:t>  </a:t>
-            </a:r>
-            <a:r>
-              <a:rPr lang="en-US" altLang="ko-KR" dirty="0" smtClean="0"/>
-              <a:t>   </a:t>
-            </a:r>
-            <a:r>
-              <a:rPr lang="en-US" altLang="ko-KR" dirty="0"/>
-              <a:t>ON A.C_ID = B.C_ID;</a:t>
-            </a:r>
-            <a:endParaRPr lang="en-US" altLang="ko-KR" dirty="0"/>
-          </a:p>
-        </p:txBody>
-      </p:sp>
-      <p:pic>
-        <p:nvPicPr>
-          <p:cNvPr id="3" name="그림 2"/>
-          <p:cNvPicPr>
-            <a:picLocks noChangeAspect="1"/>
-          </p:cNvPicPr>
+        </p:txBody>
+      </p:sp>
+      <p:sp>
+        <p:nvSpPr>
+          <p:cNvPr id="8" name="타원 7"/>
+          <p:cNvSpPr/>
           <p:nvPr/>
-        </p:nvPicPr>
-        <p:blipFill>
-          <a:blip r:embed="rId2"/>
-          <a:stretch>
-            <a:fillRect/>
-          </a:stretch>
-        </p:blipFill>
-        <p:spPr>
-          <a:xfrm>
-            <a:off x="7464972" y="181614"/>
-            <a:ext cx="4372123" cy="6579005"/>
-          </a:xfrm>
-          <a:prstGeom prst="rect">
-            <a:avLst/>
-          </a:prstGeom>
-        </p:spPr>
-      </p:pic>
+        </p:nvSpPr>
+        <p:spPr>
+          <a:xfrm>
+            <a:off x="8672109" y="3144704"/>
+            <a:ext cx="1656184" cy="1656184"/>
+          </a:xfrm>
+          <a:prstGeom prst="ellipse">
+            <a:avLst/>
+          </a:prstGeom>
+          <a:solidFill>
+            <a:srgbClr val="FF0000"/>
+          </a:solidFill>
+        </p:spPr>
+        <p:style>
+          <a:lnRef idx="2">
+            <a:schemeClr val="accent1">
+              <a:shade val="50000"/>
+            </a:schemeClr>
+          </a:lnRef>
+          <a:fillRef idx="1">
+            <a:schemeClr val="accent1"/>
+          </a:fillRef>
+          <a:effectRef idx="0">
+            <a:schemeClr val="accent1"/>
+          </a:effectRef>
+          <a:fontRef idx="minor">
+            <a:schemeClr val="lt1"/>
+          </a:fontRef>
+        </p:style>
+        <p:txBody>
+          <a:bodyPr rtlCol="0" anchor="ctr"/>
+          <a:lstStyle/>
+          <a:p>
+            <a:pPr algn="ctr"/>
+            <a:r>
+              <a:rPr lang="en-US" altLang="ko-KR" sz="2000" b="1" dirty="0">
+                <a:solidFill>
+                  <a:schemeClr val="tx1"/>
+                </a:solidFill>
+              </a:rPr>
+              <a:t>A</a:t>
+            </a:r>
+            <a:endParaRPr lang="ko-KR" altLang="en-US" sz="2000" b="1" dirty="0">
+              <a:solidFill>
+                <a:schemeClr val="tx1"/>
+              </a:solidFill>
+            </a:endParaRPr>
+          </a:p>
+        </p:txBody>
+      </p:sp>
+      <p:sp>
+        <p:nvSpPr>
+          <p:cNvPr id="9" name="타원 8"/>
+          <p:cNvSpPr/>
+          <p:nvPr/>
+        </p:nvSpPr>
+        <p:spPr>
+          <a:xfrm>
+            <a:off x="9738641" y="3140968"/>
+            <a:ext cx="1656184" cy="1656184"/>
+          </a:xfrm>
+          <a:prstGeom prst="ellipse">
+            <a:avLst/>
+          </a:prstGeom>
+          <a:noFill/>
+        </p:spPr>
+        <p:style>
+          <a:lnRef idx="2">
+            <a:schemeClr val="accent1">
+              <a:shade val="50000"/>
+            </a:schemeClr>
+          </a:lnRef>
+          <a:fillRef idx="1">
+            <a:schemeClr val="accent1"/>
+          </a:fillRef>
+          <a:effectRef idx="0">
+            <a:schemeClr val="accent1"/>
+          </a:effectRef>
+          <a:fontRef idx="minor">
+            <a:schemeClr val="lt1"/>
+          </a:fontRef>
+        </p:style>
+        <p:txBody>
+          <a:bodyPr rtlCol="0" anchor="ctr"/>
+          <a:lstStyle/>
+          <a:p>
+            <a:pPr algn="ctr"/>
+            <a:r>
+              <a:rPr lang="en-US" altLang="ko-KR" sz="2000" b="1" dirty="0" smtClean="0">
+                <a:solidFill>
+                  <a:schemeClr val="tx1"/>
+                </a:solidFill>
+              </a:rPr>
+              <a:t>B</a:t>
+            </a:r>
+            <a:endParaRPr lang="ko-KR" altLang="en-US" sz="2000" b="1" dirty="0">
+              <a:solidFill>
+                <a:schemeClr val="tx1"/>
+              </a:solidFill>
+            </a:endParaRPr>
+          </a:p>
+        </p:txBody>
+      </p:sp>
     </p:spTree>
     <p:extLst>
       <p:ext uri="{BB962C8B-B14F-4D97-AF65-F5344CB8AC3E}">
-        <p14:creationId xmlns:p14="http://schemas.microsoft.com/office/powerpoint/2010/main" val="653673612"/>
+        <p14:creationId xmlns:p14="http://schemas.microsoft.com/office/powerpoint/2010/main" val="1966904031"/>
       </p:ext>
     </p:extLst>
   </p:cSld>
@@ -12623,9 +12613,313 @@
           </a:p>
         </p:txBody>
       </p:sp>
+      <p:sp>
+        <p:nvSpPr>
+          <p:cNvPr id="7" name="내용 개체 틀 2"/>
+          <p:cNvSpPr txBox="1">
+            <a:spLocks/>
+          </p:cNvSpPr>
+          <p:nvPr/>
+        </p:nvSpPr>
+        <p:spPr>
+          <a:xfrm>
+            <a:off x="457200" y="1600200"/>
+            <a:ext cx="11222182" cy="4525963"/>
+          </a:xfrm>
+          <a:prstGeom prst="rect">
+            <a:avLst/>
+          </a:prstGeom>
+        </p:spPr>
+        <p:txBody>
+          <a:bodyPr/>
+          <a:lstStyle>
+            <a:lvl1pPr marL="228600" indent="-228600" algn="l" defTabSz="914400" rtl="0" eaLnBrk="1" latinLnBrk="1" hangingPunct="1">
+              <a:lnSpc>
+                <a:spcPct val="90000"/>
+              </a:lnSpc>
+              <a:spcBef>
+                <a:spcPts val="1000"/>
+              </a:spcBef>
+              <a:buFont typeface="Arial" panose="020B0604020202020204" pitchFamily="34" charset="0"/>
+              <a:buChar char="•"/>
+              <a:defRPr sz="2800" kern="1200">
+                <a:solidFill>
+                  <a:schemeClr val="tx1"/>
+                </a:solidFill>
+                <a:latin typeface="+mn-lt"/>
+                <a:ea typeface="+mn-ea"/>
+                <a:cs typeface="+mn-cs"/>
+              </a:defRPr>
+            </a:lvl1pPr>
+            <a:lvl2pPr marL="685800" indent="-228600" algn="l" defTabSz="914400" rtl="0" eaLnBrk="1" latinLnBrk="1" hangingPunct="1">
+              <a:lnSpc>
+                <a:spcPct val="90000"/>
+              </a:lnSpc>
+              <a:spcBef>
+                <a:spcPts val="500"/>
+              </a:spcBef>
+              <a:buFont typeface="Arial" panose="020B0604020202020204" pitchFamily="34" charset="0"/>
+              <a:buChar char="•"/>
+              <a:defRPr sz="2400" kern="1200">
+                <a:solidFill>
+                  <a:schemeClr val="tx1"/>
+                </a:solidFill>
+                <a:latin typeface="+mn-lt"/>
+                <a:ea typeface="+mn-ea"/>
+                <a:cs typeface="+mn-cs"/>
+              </a:defRPr>
+            </a:lvl2pPr>
+            <a:lvl3pPr marL="1143000" indent="-228600" algn="l" defTabSz="914400" rtl="0" eaLnBrk="1" latinLnBrk="1" hangingPunct="1">
+              <a:lnSpc>
+                <a:spcPct val="90000"/>
+              </a:lnSpc>
+              <a:spcBef>
+                <a:spcPts val="500"/>
+              </a:spcBef>
+              <a:buFont typeface="Arial" panose="020B0604020202020204" pitchFamily="34" charset="0"/>
+              <a:buChar char="•"/>
+              <a:defRPr sz="2000" kern="1200">
+                <a:solidFill>
+                  <a:schemeClr val="tx1"/>
+                </a:solidFill>
+                <a:latin typeface="+mn-lt"/>
+                <a:ea typeface="+mn-ea"/>
+                <a:cs typeface="+mn-cs"/>
+              </a:defRPr>
+            </a:lvl3pPr>
+            <a:lvl4pPr marL="1600200" indent="-228600" algn="l" defTabSz="914400" rtl="0" eaLnBrk="1" latinLnBrk="1" hangingPunct="1">
+              <a:lnSpc>
+                <a:spcPct val="90000"/>
+              </a:lnSpc>
+              <a:spcBef>
+                <a:spcPts val="500"/>
+              </a:spcBef>
+              <a:buFont typeface="Arial" panose="020B0604020202020204" pitchFamily="34" charset="0"/>
+              <a:buChar char="•"/>
+              <a:defRPr sz="1800" kern="1200">
+                <a:solidFill>
+                  <a:schemeClr val="tx1"/>
+                </a:solidFill>
+                <a:latin typeface="+mn-lt"/>
+                <a:ea typeface="+mn-ea"/>
+                <a:cs typeface="+mn-cs"/>
+              </a:defRPr>
+            </a:lvl4pPr>
+            <a:lvl5pPr marL="2057400" indent="-228600" algn="l" defTabSz="914400" rtl="0" eaLnBrk="1" latinLnBrk="1" hangingPunct="1">
+              <a:lnSpc>
+                <a:spcPct val="90000"/>
+              </a:lnSpc>
+              <a:spcBef>
+                <a:spcPts val="500"/>
+              </a:spcBef>
+              <a:buFont typeface="Arial" panose="020B0604020202020204" pitchFamily="34" charset="0"/>
+              <a:buChar char="•"/>
+              <a:defRPr sz="1800" kern="1200">
+                <a:solidFill>
+                  <a:schemeClr val="tx1"/>
+                </a:solidFill>
+                <a:latin typeface="+mn-lt"/>
+                <a:ea typeface="+mn-ea"/>
+                <a:cs typeface="+mn-cs"/>
+              </a:defRPr>
+            </a:lvl5pPr>
+            <a:lvl6pPr marL="2514600" indent="-228600" algn="l" defTabSz="914400" rtl="0" eaLnBrk="1" latinLnBrk="1" hangingPunct="1">
+              <a:lnSpc>
+                <a:spcPct val="90000"/>
+              </a:lnSpc>
+              <a:spcBef>
+                <a:spcPts val="500"/>
+              </a:spcBef>
+              <a:buFont typeface="Arial" panose="020B0604020202020204" pitchFamily="34" charset="0"/>
+              <a:buChar char="•"/>
+              <a:defRPr sz="1800" kern="1200">
+                <a:solidFill>
+                  <a:schemeClr val="tx1"/>
+                </a:solidFill>
+                <a:latin typeface="+mn-lt"/>
+                <a:ea typeface="+mn-ea"/>
+                <a:cs typeface="+mn-cs"/>
+              </a:defRPr>
+            </a:lvl6pPr>
+            <a:lvl7pPr marL="2971800" indent="-228600" algn="l" defTabSz="914400" rtl="0" eaLnBrk="1" latinLnBrk="1" hangingPunct="1">
+              <a:lnSpc>
+                <a:spcPct val="90000"/>
+              </a:lnSpc>
+              <a:spcBef>
+                <a:spcPts val="500"/>
+              </a:spcBef>
+              <a:buFont typeface="Arial" panose="020B0604020202020204" pitchFamily="34" charset="0"/>
+              <a:buChar char="•"/>
+              <a:defRPr sz="1800" kern="1200">
+                <a:solidFill>
+                  <a:schemeClr val="tx1"/>
+                </a:solidFill>
+                <a:latin typeface="+mn-lt"/>
+                <a:ea typeface="+mn-ea"/>
+                <a:cs typeface="+mn-cs"/>
+              </a:defRPr>
+            </a:lvl7pPr>
+            <a:lvl8pPr marL="3429000" indent="-228600" algn="l" defTabSz="914400" rtl="0" eaLnBrk="1" latinLnBrk="1" hangingPunct="1">
+              <a:lnSpc>
+                <a:spcPct val="90000"/>
+              </a:lnSpc>
+              <a:spcBef>
+                <a:spcPts val="500"/>
+              </a:spcBef>
+              <a:buFont typeface="Arial" panose="020B0604020202020204" pitchFamily="34" charset="0"/>
+              <a:buChar char="•"/>
+              <a:defRPr sz="1800" kern="1200">
+                <a:solidFill>
+                  <a:schemeClr val="tx1"/>
+                </a:solidFill>
+                <a:latin typeface="+mn-lt"/>
+                <a:ea typeface="+mn-ea"/>
+                <a:cs typeface="+mn-cs"/>
+              </a:defRPr>
+            </a:lvl8pPr>
+            <a:lvl9pPr marL="3886200" indent="-228600" algn="l" defTabSz="914400" rtl="0" eaLnBrk="1" latinLnBrk="1" hangingPunct="1">
+              <a:lnSpc>
+                <a:spcPct val="90000"/>
+              </a:lnSpc>
+              <a:spcBef>
+                <a:spcPts val="500"/>
+              </a:spcBef>
+              <a:buFont typeface="Arial" panose="020B0604020202020204" pitchFamily="34" charset="0"/>
+              <a:buChar char="•"/>
+              <a:defRPr sz="1800" kern="1200">
+                <a:solidFill>
+                  <a:schemeClr val="tx1"/>
+                </a:solidFill>
+                <a:latin typeface="+mn-lt"/>
+                <a:ea typeface="+mn-ea"/>
+                <a:cs typeface="+mn-cs"/>
+              </a:defRPr>
+            </a:lvl9pPr>
+          </a:lstStyle>
+          <a:p>
+            <a:pPr marL="0" indent="0">
+              <a:buNone/>
+            </a:pPr>
+            <a:r>
+              <a:rPr lang="en-US" altLang="ko-KR" dirty="0"/>
+              <a:t>2</a:t>
+            </a:r>
+            <a:r>
+              <a:rPr lang="en-US" altLang="ko-KR" dirty="0" smtClean="0"/>
+              <a:t>. Left </a:t>
+            </a:r>
+            <a:r>
+              <a:rPr lang="en-US" altLang="ko-KR" dirty="0"/>
+              <a:t>Join</a:t>
+            </a:r>
+          </a:p>
+          <a:p>
+            <a:pPr marL="0" indent="0">
+              <a:buNone/>
+            </a:pPr>
+            <a:r>
+              <a:rPr lang="en-US" altLang="ko-KR" dirty="0"/>
+              <a:t>  - </a:t>
+            </a:r>
+            <a:r>
+              <a:rPr lang="ko-KR" altLang="en-US" dirty="0"/>
+              <a:t>예제 </a:t>
+            </a:r>
+            <a:r>
+              <a:rPr lang="en-US" altLang="ko-KR" dirty="0"/>
+              <a:t>1</a:t>
+            </a:r>
+          </a:p>
+          <a:p>
+            <a:pPr marL="0" indent="0">
+              <a:buNone/>
+            </a:pPr>
+            <a:r>
+              <a:rPr lang="en-US" altLang="ko-KR" dirty="0"/>
+              <a:t>   </a:t>
+            </a:r>
+            <a:r>
+              <a:rPr lang="ko-KR" altLang="en-US" dirty="0"/>
+              <a:t> </a:t>
+            </a:r>
+            <a:r>
+              <a:rPr lang="en-US" altLang="ko-KR" dirty="0"/>
+              <a:t>SELECT A.C_ID, </a:t>
+            </a:r>
+            <a:r>
+              <a:rPr lang="en-US" altLang="ko-KR" dirty="0" smtClean="0"/>
+              <a:t>A.C_NAME</a:t>
+            </a:r>
+          </a:p>
+          <a:p>
+            <a:pPr marL="0" indent="0">
+              <a:buNone/>
+            </a:pPr>
+            <a:r>
+              <a:rPr lang="en-US" altLang="ko-KR" dirty="0"/>
+              <a:t> </a:t>
+            </a:r>
+            <a:r>
+              <a:rPr lang="en-US" altLang="ko-KR" dirty="0" smtClean="0"/>
+              <a:t>           , </a:t>
+            </a:r>
+            <a:r>
+              <a:rPr lang="en-US" altLang="ko-KR" dirty="0"/>
+              <a:t>B.VOUCHER_AMOUNT</a:t>
+            </a:r>
+          </a:p>
+          <a:p>
+            <a:pPr marL="0" indent="0">
+              <a:buNone/>
+            </a:pPr>
+            <a:r>
+              <a:rPr lang="en-US" altLang="ko-KR" dirty="0"/>
+              <a:t>   </a:t>
+            </a:r>
+            <a:r>
+              <a:rPr lang="en-US" altLang="ko-KR" dirty="0" smtClean="0"/>
+              <a:t>  FROM </a:t>
+            </a:r>
+            <a:r>
+              <a:rPr lang="en-US" altLang="ko-KR" dirty="0"/>
+              <a:t>CUSTOMER AS A</a:t>
+            </a:r>
+          </a:p>
+          <a:p>
+            <a:pPr marL="0" indent="0">
+              <a:buNone/>
+            </a:pPr>
+            <a:r>
+              <a:rPr lang="en-US" altLang="ko-KR" dirty="0" smtClean="0"/>
+              <a:t>     </a:t>
+            </a:r>
+            <a:r>
+              <a:rPr lang="en-US" altLang="ko-KR" dirty="0"/>
+              <a:t>LEFT JOIN VOUCHER AS B</a:t>
+            </a:r>
+          </a:p>
+          <a:p>
+            <a:pPr marL="0" indent="0">
+              <a:buNone/>
+            </a:pPr>
+            <a:r>
+              <a:rPr lang="en-US" altLang="ko-KR" dirty="0"/>
+              <a:t>  </a:t>
+            </a:r>
+            <a:r>
+              <a:rPr lang="en-US" altLang="ko-KR" dirty="0" smtClean="0"/>
+              <a:t>   </a:t>
+            </a:r>
+            <a:r>
+              <a:rPr lang="en-US" altLang="ko-KR" dirty="0"/>
+              <a:t>ON A.C_ID = B.C_ID;</a:t>
+            </a:r>
+          </a:p>
+        </p:txBody>
+      </p:sp>
       <p:pic>
         <p:nvPicPr>
-          <p:cNvPr id="4" name="그림 3"/>
+          <p:cNvPr id="3" name="그림 2"/>
           <p:cNvPicPr>
             <a:picLocks noChangeAspect="1"/>
           </p:cNvPicPr>
@@ -12639,47 +12933,18 @@
         </p:blipFill>
         <p:spPr>
           <a:xfrm>
-            <a:off x="3960229" y="543376"/>
-            <a:ext cx="6801799" cy="6058746"/>
+            <a:off x="7464972" y="181614"/>
+            <a:ext cx="4372123" cy="6579005"/>
           </a:xfrm>
           <a:prstGeom prst="rect">
             <a:avLst/>
           </a:prstGeom>
         </p:spPr>
       </p:pic>
-      <p:sp>
-        <p:nvSpPr>
-          <p:cNvPr id="5" name="직사각형 4"/>
-          <p:cNvSpPr/>
-          <p:nvPr/>
-        </p:nvSpPr>
-        <p:spPr>
-          <a:xfrm>
-            <a:off x="527341" y="1327852"/>
-            <a:ext cx="1710340" cy="461665"/>
-          </a:xfrm>
-          <a:prstGeom prst="rect">
-            <a:avLst/>
-          </a:prstGeom>
-        </p:spPr>
-        <p:txBody>
-          <a:bodyPr wrap="none">
-            <a:spAutoFit/>
-          </a:bodyPr>
-          <a:lstStyle/>
-          <a:p>
-            <a:r>
-              <a:rPr lang="en-US" altLang="ko-KR" sz="2400" dirty="0"/>
-              <a:t>2. Left Join</a:t>
-            </a:r>
-            <a:endParaRPr lang="en-US" altLang="ko-KR" sz="2400" dirty="0"/>
-          </a:p>
-        </p:txBody>
-      </p:sp>
     </p:spTree>
     <p:extLst>
       <p:ext uri="{BB962C8B-B14F-4D97-AF65-F5344CB8AC3E}">
-        <p14:creationId xmlns:p14="http://schemas.microsoft.com/office/powerpoint/2010/main" val="2589506488"/>
+        <p14:creationId xmlns:p14="http://schemas.microsoft.com/office/powerpoint/2010/main" val="653673612"/>
       </p:ext>
     </p:extLst>
   </p:cSld>
@@ -12756,437 +13021,62 @@
           </a:p>
         </p:txBody>
       </p:sp>
-      <p:sp>
-        <p:nvSpPr>
-          <p:cNvPr id="7" name="내용 개체 틀 2"/>
-          <p:cNvSpPr txBox="1">
-            <a:spLocks/>
-          </p:cNvSpPr>
+      <p:pic>
+        <p:nvPicPr>
+          <p:cNvPr id="4" name="그림 3"/>
+          <p:cNvPicPr>
+            <a:picLocks noChangeAspect="1"/>
+          </p:cNvPicPr>
           <p:nvPr/>
-        </p:nvSpPr>
-        <p:spPr>
-          <a:xfrm>
-            <a:off x="457200" y="1600200"/>
-            <a:ext cx="11222182" cy="4525963"/>
+        </p:nvPicPr>
+        <p:blipFill>
+          <a:blip r:embed="rId2"/>
+          <a:stretch>
+            <a:fillRect/>
+          </a:stretch>
+        </p:blipFill>
+        <p:spPr>
+          <a:xfrm>
+            <a:off x="3960229" y="543376"/>
+            <a:ext cx="6801799" cy="6058746"/>
           </a:xfrm>
           <a:prstGeom prst="rect">
             <a:avLst/>
           </a:prstGeom>
         </p:spPr>
-        <p:txBody>
-          <a:bodyPr/>
-          <a:lstStyle>
-            <a:lvl1pPr marL="228600" indent="-228600" algn="l" defTabSz="914400" rtl="0" eaLnBrk="1" latinLnBrk="1" hangingPunct="1">
-              <a:lnSpc>
-                <a:spcPct val="90000"/>
-              </a:lnSpc>
-              <a:spcBef>
-                <a:spcPts val="1000"/>
-              </a:spcBef>
-              <a:buFont typeface="Arial" panose="020B0604020202020204" pitchFamily="34" charset="0"/>
-              <a:buChar char="•"/>
-              <a:defRPr sz="2800" kern="1200">
-                <a:solidFill>
-                  <a:schemeClr val="tx1"/>
-                </a:solidFill>
-                <a:latin typeface="+mn-lt"/>
-                <a:ea typeface="+mn-ea"/>
-                <a:cs typeface="+mn-cs"/>
-              </a:defRPr>
-            </a:lvl1pPr>
-            <a:lvl2pPr marL="685800" indent="-228600" algn="l" defTabSz="914400" rtl="0" eaLnBrk="1" latinLnBrk="1" hangingPunct="1">
-              <a:lnSpc>
-                <a:spcPct val="90000"/>
-              </a:lnSpc>
-              <a:spcBef>
-                <a:spcPts val="500"/>
-              </a:spcBef>
-              <a:buFont typeface="Arial" panose="020B0604020202020204" pitchFamily="34" charset="0"/>
-              <a:buChar char="•"/>
-              <a:defRPr sz="2400" kern="1200">
-                <a:solidFill>
-                  <a:schemeClr val="tx1"/>
-                </a:solidFill>
-                <a:latin typeface="+mn-lt"/>
-                <a:ea typeface="+mn-ea"/>
-                <a:cs typeface="+mn-cs"/>
-              </a:defRPr>
-            </a:lvl2pPr>
-            <a:lvl3pPr marL="1143000" indent="-228600" algn="l" defTabSz="914400" rtl="0" eaLnBrk="1" latinLnBrk="1" hangingPunct="1">
-              <a:lnSpc>
-                <a:spcPct val="90000"/>
-              </a:lnSpc>
-              <a:spcBef>
-                <a:spcPts val="500"/>
-              </a:spcBef>
-              <a:buFont typeface="Arial" panose="020B0604020202020204" pitchFamily="34" charset="0"/>
-              <a:buChar char="•"/>
-              <a:defRPr sz="2000" kern="1200">
-                <a:solidFill>
-                  <a:schemeClr val="tx1"/>
-                </a:solidFill>
-                <a:latin typeface="+mn-lt"/>
-                <a:ea typeface="+mn-ea"/>
-                <a:cs typeface="+mn-cs"/>
-              </a:defRPr>
-            </a:lvl3pPr>
-            <a:lvl4pPr marL="1600200" indent="-228600" algn="l" defTabSz="914400" rtl="0" eaLnBrk="1" latinLnBrk="1" hangingPunct="1">
-              <a:lnSpc>
-                <a:spcPct val="90000"/>
-              </a:lnSpc>
-              <a:spcBef>
-                <a:spcPts val="500"/>
-              </a:spcBef>
-              <a:buFont typeface="Arial" panose="020B0604020202020204" pitchFamily="34" charset="0"/>
-              <a:buChar char="•"/>
-              <a:defRPr sz="1800" kern="1200">
-                <a:solidFill>
-                  <a:schemeClr val="tx1"/>
-                </a:solidFill>
-                <a:latin typeface="+mn-lt"/>
-                <a:ea typeface="+mn-ea"/>
-                <a:cs typeface="+mn-cs"/>
-              </a:defRPr>
-            </a:lvl4pPr>
-            <a:lvl5pPr marL="2057400" indent="-228600" algn="l" defTabSz="914400" rtl="0" eaLnBrk="1" latinLnBrk="1" hangingPunct="1">
-              <a:lnSpc>
-                <a:spcPct val="90000"/>
-              </a:lnSpc>
-              <a:spcBef>
-                <a:spcPts val="500"/>
-              </a:spcBef>
-              <a:buFont typeface="Arial" panose="020B0604020202020204" pitchFamily="34" charset="0"/>
-              <a:buChar char="•"/>
-              <a:defRPr sz="1800" kern="1200">
-                <a:solidFill>
-                  <a:schemeClr val="tx1"/>
-                </a:solidFill>
-                <a:latin typeface="+mn-lt"/>
-                <a:ea typeface="+mn-ea"/>
-                <a:cs typeface="+mn-cs"/>
-              </a:defRPr>
-            </a:lvl5pPr>
-            <a:lvl6pPr marL="2514600" indent="-228600" algn="l" defTabSz="914400" rtl="0" eaLnBrk="1" latinLnBrk="1" hangingPunct="1">
-              <a:lnSpc>
-                <a:spcPct val="90000"/>
-              </a:lnSpc>
-              <a:spcBef>
-                <a:spcPts val="500"/>
-              </a:spcBef>
-              <a:buFont typeface="Arial" panose="020B0604020202020204" pitchFamily="34" charset="0"/>
-              <a:buChar char="•"/>
-              <a:defRPr sz="1800" kern="1200">
-                <a:solidFill>
-                  <a:schemeClr val="tx1"/>
-                </a:solidFill>
-                <a:latin typeface="+mn-lt"/>
-                <a:ea typeface="+mn-ea"/>
-                <a:cs typeface="+mn-cs"/>
-              </a:defRPr>
-            </a:lvl6pPr>
-            <a:lvl7pPr marL="2971800" indent="-228600" algn="l" defTabSz="914400" rtl="0" eaLnBrk="1" latinLnBrk="1" hangingPunct="1">
-              <a:lnSpc>
-                <a:spcPct val="90000"/>
-              </a:lnSpc>
-              <a:spcBef>
-                <a:spcPts val="500"/>
-              </a:spcBef>
-              <a:buFont typeface="Arial" panose="020B0604020202020204" pitchFamily="34" charset="0"/>
-              <a:buChar char="•"/>
-              <a:defRPr sz="1800" kern="1200">
-                <a:solidFill>
-                  <a:schemeClr val="tx1"/>
-                </a:solidFill>
-                <a:latin typeface="+mn-lt"/>
-                <a:ea typeface="+mn-ea"/>
-                <a:cs typeface="+mn-cs"/>
-              </a:defRPr>
-            </a:lvl7pPr>
-            <a:lvl8pPr marL="3429000" indent="-228600" algn="l" defTabSz="914400" rtl="0" eaLnBrk="1" latinLnBrk="1" hangingPunct="1">
-              <a:lnSpc>
-                <a:spcPct val="90000"/>
-              </a:lnSpc>
-              <a:spcBef>
-                <a:spcPts val="500"/>
-              </a:spcBef>
-              <a:buFont typeface="Arial" panose="020B0604020202020204" pitchFamily="34" charset="0"/>
-              <a:buChar char="•"/>
-              <a:defRPr sz="1800" kern="1200">
-                <a:solidFill>
-                  <a:schemeClr val="tx1"/>
-                </a:solidFill>
-                <a:latin typeface="+mn-lt"/>
-                <a:ea typeface="+mn-ea"/>
-                <a:cs typeface="+mn-cs"/>
-              </a:defRPr>
-            </a:lvl8pPr>
-            <a:lvl9pPr marL="3886200" indent="-228600" algn="l" defTabSz="914400" rtl="0" eaLnBrk="1" latinLnBrk="1" hangingPunct="1">
-              <a:lnSpc>
-                <a:spcPct val="90000"/>
-              </a:lnSpc>
-              <a:spcBef>
-                <a:spcPts val="500"/>
-              </a:spcBef>
-              <a:buFont typeface="Arial" panose="020B0604020202020204" pitchFamily="34" charset="0"/>
-              <a:buChar char="•"/>
-              <a:defRPr sz="1800" kern="1200">
-                <a:solidFill>
-                  <a:schemeClr val="tx1"/>
-                </a:solidFill>
-                <a:latin typeface="+mn-lt"/>
-                <a:ea typeface="+mn-ea"/>
-                <a:cs typeface="+mn-cs"/>
-              </a:defRPr>
-            </a:lvl9pPr>
-          </a:lstStyle>
-          <a:p>
-            <a:pPr marL="0" indent="0">
-              <a:buNone/>
-            </a:pPr>
-            <a:r>
-              <a:rPr lang="en-US" altLang="ko-KR" dirty="0"/>
-              <a:t>3. Right Join</a:t>
-            </a:r>
-          </a:p>
-          <a:p>
-            <a:pPr marL="0" indent="0">
-              <a:buNone/>
-            </a:pPr>
-            <a:r>
-              <a:rPr lang="en-US" altLang="ko-KR" dirty="0"/>
-              <a:t>  - </a:t>
-            </a:r>
-            <a:r>
-              <a:rPr lang="ko-KR" altLang="en-US" dirty="0"/>
-              <a:t>정의 </a:t>
-            </a:r>
-            <a:r>
-              <a:rPr lang="en-US" altLang="ko-KR" dirty="0"/>
-              <a:t>: </a:t>
-            </a:r>
-            <a:r>
-              <a:rPr lang="ko-KR" altLang="en-US" dirty="0"/>
-              <a:t>첫 테이블에 존재하지 않고 두번째 테이블에 존재 시 출력</a:t>
-            </a:r>
-            <a:endParaRPr lang="en-US" altLang="ko-KR" dirty="0"/>
-          </a:p>
-          <a:p>
-            <a:pPr marL="0" indent="0">
-              <a:buNone/>
-            </a:pPr>
-            <a:r>
-              <a:rPr lang="en-US" altLang="ko-KR" dirty="0"/>
-              <a:t>  - </a:t>
-            </a:r>
-            <a:r>
-              <a:rPr lang="ko-KR" altLang="en-US" dirty="0"/>
-              <a:t>형태</a:t>
-            </a:r>
-            <a:endParaRPr lang="en-US" altLang="ko-KR" dirty="0"/>
-          </a:p>
-          <a:p>
-            <a:pPr marL="0" indent="0">
-              <a:buNone/>
-            </a:pPr>
-            <a:r>
-              <a:rPr lang="en-US" altLang="ko-KR" dirty="0"/>
-              <a:t>   </a:t>
-            </a:r>
-            <a:r>
-              <a:rPr lang="ko-KR" altLang="en-US" dirty="0"/>
-              <a:t> </a:t>
-            </a:r>
-            <a:r>
-              <a:rPr lang="en-US" altLang="ko-KR" dirty="0"/>
-              <a:t>SELECT </a:t>
-            </a:r>
-            <a:r>
-              <a:rPr lang="ko-KR" altLang="en-US" dirty="0"/>
-              <a:t>컬럼</a:t>
-            </a:r>
-            <a:endParaRPr lang="en-US" altLang="ko-KR" dirty="0"/>
-          </a:p>
-          <a:p>
-            <a:pPr marL="0" indent="0">
-              <a:buNone/>
-            </a:pPr>
-            <a:r>
-              <a:rPr lang="en-US" altLang="ko-KR" dirty="0"/>
-              <a:t>     </a:t>
-            </a:r>
-            <a:r>
-              <a:rPr lang="ko-KR" altLang="en-US" dirty="0"/>
-              <a:t> </a:t>
-            </a:r>
-            <a:r>
-              <a:rPr lang="en-US" altLang="ko-KR" dirty="0"/>
-              <a:t>FROM </a:t>
-            </a:r>
-            <a:r>
-              <a:rPr lang="ko-KR" altLang="en-US" dirty="0"/>
-              <a:t>테이블</a:t>
-            </a:r>
-            <a:r>
-              <a:rPr lang="en-US" altLang="ko-KR" dirty="0"/>
-              <a:t>1 AS A</a:t>
-            </a:r>
-          </a:p>
-          <a:p>
-            <a:pPr marL="0" indent="0">
-              <a:buNone/>
-            </a:pPr>
-            <a:r>
-              <a:rPr lang="en-US" altLang="ko-KR" dirty="0"/>
-              <a:t>     RIGHT JOIN </a:t>
-            </a:r>
-            <a:r>
-              <a:rPr lang="ko-KR" altLang="en-US" dirty="0"/>
-              <a:t>테이블</a:t>
-            </a:r>
-            <a:r>
-              <a:rPr lang="en-US" altLang="ko-KR" dirty="0"/>
-              <a:t>2 AS B</a:t>
-            </a:r>
-          </a:p>
-          <a:p>
-            <a:pPr marL="0" indent="0">
-              <a:buNone/>
-            </a:pPr>
-            <a:r>
-              <a:rPr lang="en-US" altLang="ko-KR" dirty="0"/>
-              <a:t>     ON A.</a:t>
-            </a:r>
-            <a:r>
-              <a:rPr lang="ko-KR" altLang="en-US" dirty="0" err="1"/>
-              <a:t>키컬럼</a:t>
-            </a:r>
-            <a:r>
-              <a:rPr lang="en-US" altLang="ko-KR" dirty="0"/>
-              <a:t>1 = B.</a:t>
-            </a:r>
-            <a:r>
-              <a:rPr lang="ko-KR" altLang="en-US" dirty="0" err="1"/>
-              <a:t>키컬럼</a:t>
-            </a:r>
-            <a:r>
-              <a:rPr lang="en-US" altLang="ko-KR" dirty="0"/>
-              <a:t>1</a:t>
-            </a:r>
-          </a:p>
-        </p:txBody>
-      </p:sp>
-      <p:sp>
-        <p:nvSpPr>
-          <p:cNvPr id="8" name="타원 7"/>
+      </p:pic>
+      <p:sp>
+        <p:nvSpPr>
+          <p:cNvPr id="5" name="직사각형 4"/>
           <p:cNvSpPr/>
           <p:nvPr/>
         </p:nvSpPr>
         <p:spPr>
           <a:xfrm>
-            <a:off x="8539105" y="3144704"/>
-            <a:ext cx="1656184" cy="1656184"/>
-          </a:xfrm>
-          <a:prstGeom prst="ellipse">
-            <a:avLst/>
-          </a:prstGeom>
-          <a:noFill/>
-        </p:spPr>
-        <p:style>
-          <a:lnRef idx="2">
-            <a:schemeClr val="accent1">
-              <a:shade val="50000"/>
-            </a:schemeClr>
-          </a:lnRef>
-          <a:fillRef idx="1">
-            <a:schemeClr val="accent1"/>
-          </a:fillRef>
-          <a:effectRef idx="0">
-            <a:schemeClr val="accent1"/>
-          </a:effectRef>
-          <a:fontRef idx="minor">
-            <a:schemeClr val="lt1"/>
-          </a:fontRef>
-        </p:style>
-        <p:txBody>
-          <a:bodyPr rtlCol="0" anchor="ctr"/>
+            <a:off x="527341" y="1327852"/>
+            <a:ext cx="1710340" cy="461665"/>
+          </a:xfrm>
+          <a:prstGeom prst="rect">
+            <a:avLst/>
+          </a:prstGeom>
+        </p:spPr>
+        <p:txBody>
+          <a:bodyPr wrap="none">
+            <a:spAutoFit/>
+          </a:bodyPr>
           <a:lstStyle/>
           <a:p>
-            <a:pPr algn="ctr"/>
-            <a:r>
-              <a:rPr lang="en-US" altLang="ko-KR" sz="2000" b="1" dirty="0">
-                <a:solidFill>
-                  <a:schemeClr val="tx1"/>
-                </a:solidFill>
-              </a:rPr>
-              <a:t>A</a:t>
-            </a:r>
-            <a:endParaRPr lang="ko-KR" altLang="en-US" sz="2000" b="1" dirty="0">
-              <a:solidFill>
-                <a:schemeClr val="tx1"/>
-              </a:solidFill>
-            </a:endParaRPr>
-          </a:p>
-        </p:txBody>
-      </p:sp>
-      <p:sp>
-        <p:nvSpPr>
-          <p:cNvPr id="9" name="타원 8"/>
-          <p:cNvSpPr/>
-          <p:nvPr/>
-        </p:nvSpPr>
-        <p:spPr>
-          <a:xfrm>
-            <a:off x="9605637" y="3140968"/>
-            <a:ext cx="1656184" cy="1656184"/>
-          </a:xfrm>
-          <a:prstGeom prst="ellipse">
-            <a:avLst/>
-          </a:prstGeom>
-          <a:solidFill>
-            <a:srgbClr val="FF0000"/>
-          </a:solidFill>
-        </p:spPr>
-        <p:style>
-          <a:lnRef idx="2">
-            <a:schemeClr val="accent1">
-              <a:shade val="50000"/>
-            </a:schemeClr>
-          </a:lnRef>
-          <a:fillRef idx="1">
-            <a:schemeClr val="accent1"/>
-          </a:fillRef>
-          <a:effectRef idx="0">
-            <a:schemeClr val="accent1"/>
-          </a:effectRef>
-          <a:fontRef idx="minor">
-            <a:schemeClr val="lt1"/>
-          </a:fontRef>
-        </p:style>
-        <p:txBody>
-          <a:bodyPr rtlCol="0" anchor="ctr"/>
-          <a:lstStyle/>
-          <a:p>
-            <a:pPr algn="ctr"/>
-            <a:r>
-              <a:rPr lang="en-US" altLang="ko-KR" sz="2000" b="1" dirty="0" smtClean="0">
-                <a:solidFill>
-                  <a:schemeClr val="tx1"/>
-                </a:solidFill>
-              </a:rPr>
-              <a:t>B</a:t>
-            </a:r>
-            <a:endParaRPr lang="ko-KR" altLang="en-US" sz="2000" b="1" dirty="0">
-              <a:solidFill>
-                <a:schemeClr val="tx1"/>
-              </a:solidFill>
-            </a:endParaRPr>
+            <a:r>
+              <a:rPr lang="en-US" altLang="ko-KR" sz="2400" dirty="0"/>
+              <a:t>2. Left Join</a:t>
+            </a:r>
           </a:p>
         </p:txBody>
       </p:sp>
     </p:spTree>
     <p:extLst>
       <p:ext uri="{BB962C8B-B14F-4D97-AF65-F5344CB8AC3E}">
-        <p14:creationId xmlns:p14="http://schemas.microsoft.com/office/powerpoint/2010/main" val="1514004284"/>
+        <p14:creationId xmlns:p14="http://schemas.microsoft.com/office/powerpoint/2010/main" val="2589506488"/>
       </p:ext>
     </p:extLst>
   </p:cSld>
@@ -13215,7 +13105,7 @@
       </p:grpSpPr>
       <p:sp>
         <p:nvSpPr>
-          <p:cNvPr id="44" name="도형 17"/>
+          <p:cNvPr id="12" name="도형 17"/>
           <p:cNvSpPr>
             <a:spLocks/>
           </p:cNvSpPr>
@@ -13265,7 +13155,7 @@
       </p:sp>
       <p:sp>
         <p:nvSpPr>
-          <p:cNvPr id="7" name="내용 개체 틀 2"/>
+          <p:cNvPr id="10" name="내용 개체 틀 2"/>
           <p:cNvSpPr txBox="1">
             <a:spLocks/>
           </p:cNvSpPr>
@@ -13273,8 +13163,8 @@
         </p:nvSpPr>
         <p:spPr>
           <a:xfrm>
-            <a:off x="457200" y="1074106"/>
-            <a:ext cx="11222182" cy="4525963"/>
+            <a:off x="457200" y="1240078"/>
+            <a:ext cx="11222182" cy="4886086"/>
           </a:xfrm>
           <a:prstGeom prst="rect">
             <a:avLst/>
@@ -13451,6 +13341,894 @@
               <a:buNone/>
             </a:pPr>
             <a:r>
+              <a:rPr lang="ko-KR" altLang="en-US" dirty="0" smtClean="0"/>
+              <a:t>실습 </a:t>
+            </a:r>
+            <a:r>
+              <a:rPr lang="en-US" altLang="ko-KR" dirty="0" smtClean="0"/>
+              <a:t>3. </a:t>
+            </a:r>
+            <a:r>
+              <a:rPr lang="ko-KR" altLang="en-US" dirty="0" smtClean="0"/>
+              <a:t>고객관리대장과 상품권관리대장을 </a:t>
+            </a:r>
+            <a:r>
+              <a:rPr lang="en-US" altLang="ko-KR" dirty="0" smtClean="0"/>
+              <a:t>Left Join </a:t>
+            </a:r>
+            <a:r>
+              <a:rPr lang="ko-KR" altLang="en-US" dirty="0" smtClean="0"/>
+              <a:t>하여 이름</a:t>
+            </a:r>
+            <a:r>
+              <a:rPr lang="en-US" altLang="ko-KR" dirty="0" smtClean="0"/>
+              <a:t>, </a:t>
+            </a:r>
+            <a:r>
+              <a:rPr lang="ko-KR" altLang="en-US" dirty="0" smtClean="0"/>
+              <a:t>연락처</a:t>
+            </a:r>
+            <a:r>
+              <a:rPr lang="en-US" altLang="ko-KR" dirty="0" smtClean="0"/>
+              <a:t>, </a:t>
+            </a:r>
+            <a:r>
+              <a:rPr lang="ko-KR" altLang="en-US" dirty="0" err="1" smtClean="0"/>
+              <a:t>수령금액</a:t>
+            </a:r>
+            <a:r>
+              <a:rPr lang="en-US" altLang="ko-KR" dirty="0" smtClean="0"/>
+              <a:t>, </a:t>
+            </a:r>
+            <a:r>
+              <a:rPr lang="ko-KR" altLang="en-US" dirty="0" err="1" smtClean="0"/>
+              <a:t>수령일자를</a:t>
+            </a:r>
+            <a:r>
+              <a:rPr lang="ko-KR" altLang="en-US" dirty="0" smtClean="0"/>
+              <a:t> </a:t>
+            </a:r>
+            <a:r>
+              <a:rPr lang="ko-KR" altLang="en-US" dirty="0" err="1" smtClean="0"/>
+              <a:t>출력하시오</a:t>
+            </a:r>
+            <a:endParaRPr lang="en-US" altLang="ko-KR" dirty="0" smtClean="0"/>
+          </a:p>
+          <a:p>
+            <a:pPr marL="0" indent="0">
+              <a:buNone/>
+            </a:pPr>
+            <a:endParaRPr lang="en-US" altLang="ko-KR" dirty="0"/>
+          </a:p>
+          <a:p>
+            <a:pPr marL="0" indent="0">
+              <a:buNone/>
+            </a:pPr>
+            <a:r>
+              <a:rPr lang="ko-KR" altLang="en-US" dirty="0" smtClean="0"/>
+              <a:t>실습 </a:t>
+            </a:r>
+            <a:r>
+              <a:rPr lang="en-US" altLang="ko-KR" dirty="0"/>
+              <a:t>4</a:t>
+            </a:r>
+            <a:r>
+              <a:rPr lang="en-US" altLang="ko-KR" dirty="0" smtClean="0"/>
+              <a:t>. “</a:t>
+            </a:r>
+            <a:r>
+              <a:rPr lang="ko-KR" altLang="en-US" dirty="0" smtClean="0"/>
+              <a:t>실습 </a:t>
+            </a:r>
+            <a:r>
+              <a:rPr lang="en-US" altLang="ko-KR" dirty="0" smtClean="0"/>
+              <a:t>3”</a:t>
+            </a:r>
+            <a:r>
+              <a:rPr lang="ko-KR" altLang="en-US" dirty="0" smtClean="0"/>
+              <a:t>에서 </a:t>
+            </a:r>
+            <a:r>
+              <a:rPr lang="en-US" altLang="ko-KR" dirty="0" smtClean="0"/>
+              <a:t>30</a:t>
+            </a:r>
+            <a:r>
+              <a:rPr lang="ko-KR" altLang="en-US" dirty="0" smtClean="0"/>
+              <a:t>대만 </a:t>
+            </a:r>
+            <a:r>
+              <a:rPr lang="ko-KR" altLang="en-US" dirty="0" err="1" smtClean="0"/>
+              <a:t>출력하시오</a:t>
+            </a:r>
+            <a:r>
+              <a:rPr lang="en-US" altLang="ko-KR" dirty="0" smtClean="0"/>
+              <a:t>.</a:t>
+            </a:r>
+            <a:endParaRPr lang="en-US" altLang="ko-KR" dirty="0"/>
+          </a:p>
+          <a:p>
+            <a:pPr marL="0" indent="0">
+              <a:buNone/>
+            </a:pPr>
+            <a:endParaRPr lang="en-US" altLang="ko-KR" dirty="0"/>
+          </a:p>
+        </p:txBody>
+      </p:sp>
+    </p:spTree>
+    <p:extLst>
+      <p:ext uri="{BB962C8B-B14F-4D97-AF65-F5344CB8AC3E}">
+        <p14:creationId xmlns:p14="http://schemas.microsoft.com/office/powerpoint/2010/main" val="687558503"/>
+      </p:ext>
+    </p:extLst>
+  </p:cSld>
+  <p:clrMapOvr>
+    <a:masterClrMapping/>
+  </p:clrMapOvr>
+</p:sld>
+</file>
+
+<file path=ppt/slides/slide28.xml><?xml version="1.0" encoding="utf-8"?>
+<p:sld xmlns:a="http://schemas.openxmlformats.org/drawingml/2006/main" xmlns:r="http://schemas.openxmlformats.org/officeDocument/2006/relationships" xmlns:p="http://schemas.openxmlformats.org/presentationml/2006/main">
+  <p:cSld>
+    <p:spTree>
+      <p:nvGrpSpPr>
+        <p:cNvPr id="1" name=""/>
+        <p:cNvGrpSpPr/>
+        <p:nvPr/>
+      </p:nvGrpSpPr>
+      <p:grpSpPr>
+        <a:xfrm>
+          <a:off x="0" y="0"/>
+          <a:ext cx="0" cy="0"/>
+          <a:chOff x="0" y="0"/>
+          <a:chExt cx="0" cy="0"/>
+        </a:xfrm>
+      </p:grpSpPr>
+      <p:sp>
+        <p:nvSpPr>
+          <p:cNvPr id="44" name="도형 17"/>
+          <p:cNvSpPr>
+            <a:spLocks/>
+          </p:cNvSpPr>
+          <p:nvPr/>
+        </p:nvSpPr>
+        <p:spPr>
+          <a:xfrm>
+            <a:off x="765868" y="316230"/>
+            <a:ext cx="1090363" cy="454292"/>
+          </a:xfrm>
+          <a:prstGeom prst="rect">
+            <a:avLst/>
+          </a:prstGeom>
+          <a:ln w="0">
+            <a:noFill/>
+            <a:prstDash/>
+          </a:ln>
+        </p:spPr>
+        <p:txBody>
+          <a:bodyPr vert="horz" wrap="none" lIns="91440" tIns="45720" rIns="91440" bIns="45720" numCol="1" anchor="t">
+            <a:spAutoFit/>
+          </a:bodyPr>
+          <a:lstStyle/>
+          <a:p>
+            <a:pPr marL="0" indent="0" latinLnBrk="0">
+              <a:lnSpc>
+                <a:spcPct val="150000"/>
+              </a:lnSpc>
+              <a:buFontTx/>
+              <a:buNone/>
+            </a:pPr>
+            <a:r>
+              <a:rPr lang="en-US" altLang="ko-KR" dirty="0" smtClean="0">
+                <a:solidFill>
+                  <a:schemeClr val="bg1"/>
+                </a:solidFill>
+              </a:rPr>
+              <a:t>SQL Join</a:t>
+            </a:r>
+            <a:endParaRPr lang="ko-KR" altLang="en-US" dirty="0">
+              <a:solidFill>
+                <a:schemeClr val="bg1"/>
+              </a:solidFill>
+            </a:endParaRPr>
+          </a:p>
+        </p:txBody>
+      </p:sp>
+      <p:sp>
+        <p:nvSpPr>
+          <p:cNvPr id="7" name="내용 개체 틀 2"/>
+          <p:cNvSpPr txBox="1">
+            <a:spLocks/>
+          </p:cNvSpPr>
+          <p:nvPr/>
+        </p:nvSpPr>
+        <p:spPr>
+          <a:xfrm>
+            <a:off x="457200" y="1600200"/>
+            <a:ext cx="11222182" cy="4525963"/>
+          </a:xfrm>
+          <a:prstGeom prst="rect">
+            <a:avLst/>
+          </a:prstGeom>
+        </p:spPr>
+        <p:txBody>
+          <a:bodyPr/>
+          <a:lstStyle>
+            <a:lvl1pPr marL="228600" indent="-228600" algn="l" defTabSz="914400" rtl="0" eaLnBrk="1" latinLnBrk="1" hangingPunct="1">
+              <a:lnSpc>
+                <a:spcPct val="90000"/>
+              </a:lnSpc>
+              <a:spcBef>
+                <a:spcPts val="1000"/>
+              </a:spcBef>
+              <a:buFont typeface="Arial" panose="020B0604020202020204" pitchFamily="34" charset="0"/>
+              <a:buChar char="•"/>
+              <a:defRPr sz="2800" kern="1200">
+                <a:solidFill>
+                  <a:schemeClr val="tx1"/>
+                </a:solidFill>
+                <a:latin typeface="+mn-lt"/>
+                <a:ea typeface="+mn-ea"/>
+                <a:cs typeface="+mn-cs"/>
+              </a:defRPr>
+            </a:lvl1pPr>
+            <a:lvl2pPr marL="685800" indent="-228600" algn="l" defTabSz="914400" rtl="0" eaLnBrk="1" latinLnBrk="1" hangingPunct="1">
+              <a:lnSpc>
+                <a:spcPct val="90000"/>
+              </a:lnSpc>
+              <a:spcBef>
+                <a:spcPts val="500"/>
+              </a:spcBef>
+              <a:buFont typeface="Arial" panose="020B0604020202020204" pitchFamily="34" charset="0"/>
+              <a:buChar char="•"/>
+              <a:defRPr sz="2400" kern="1200">
+                <a:solidFill>
+                  <a:schemeClr val="tx1"/>
+                </a:solidFill>
+                <a:latin typeface="+mn-lt"/>
+                <a:ea typeface="+mn-ea"/>
+                <a:cs typeface="+mn-cs"/>
+              </a:defRPr>
+            </a:lvl2pPr>
+            <a:lvl3pPr marL="1143000" indent="-228600" algn="l" defTabSz="914400" rtl="0" eaLnBrk="1" latinLnBrk="1" hangingPunct="1">
+              <a:lnSpc>
+                <a:spcPct val="90000"/>
+              </a:lnSpc>
+              <a:spcBef>
+                <a:spcPts val="500"/>
+              </a:spcBef>
+              <a:buFont typeface="Arial" panose="020B0604020202020204" pitchFamily="34" charset="0"/>
+              <a:buChar char="•"/>
+              <a:defRPr sz="2000" kern="1200">
+                <a:solidFill>
+                  <a:schemeClr val="tx1"/>
+                </a:solidFill>
+                <a:latin typeface="+mn-lt"/>
+                <a:ea typeface="+mn-ea"/>
+                <a:cs typeface="+mn-cs"/>
+              </a:defRPr>
+            </a:lvl3pPr>
+            <a:lvl4pPr marL="1600200" indent="-228600" algn="l" defTabSz="914400" rtl="0" eaLnBrk="1" latinLnBrk="1" hangingPunct="1">
+              <a:lnSpc>
+                <a:spcPct val="90000"/>
+              </a:lnSpc>
+              <a:spcBef>
+                <a:spcPts val="500"/>
+              </a:spcBef>
+              <a:buFont typeface="Arial" panose="020B0604020202020204" pitchFamily="34" charset="0"/>
+              <a:buChar char="•"/>
+              <a:defRPr sz="1800" kern="1200">
+                <a:solidFill>
+                  <a:schemeClr val="tx1"/>
+                </a:solidFill>
+                <a:latin typeface="+mn-lt"/>
+                <a:ea typeface="+mn-ea"/>
+                <a:cs typeface="+mn-cs"/>
+              </a:defRPr>
+            </a:lvl4pPr>
+            <a:lvl5pPr marL="2057400" indent="-228600" algn="l" defTabSz="914400" rtl="0" eaLnBrk="1" latinLnBrk="1" hangingPunct="1">
+              <a:lnSpc>
+                <a:spcPct val="90000"/>
+              </a:lnSpc>
+              <a:spcBef>
+                <a:spcPts val="500"/>
+              </a:spcBef>
+              <a:buFont typeface="Arial" panose="020B0604020202020204" pitchFamily="34" charset="0"/>
+              <a:buChar char="•"/>
+              <a:defRPr sz="1800" kern="1200">
+                <a:solidFill>
+                  <a:schemeClr val="tx1"/>
+                </a:solidFill>
+                <a:latin typeface="+mn-lt"/>
+                <a:ea typeface="+mn-ea"/>
+                <a:cs typeface="+mn-cs"/>
+              </a:defRPr>
+            </a:lvl5pPr>
+            <a:lvl6pPr marL="2514600" indent="-228600" algn="l" defTabSz="914400" rtl="0" eaLnBrk="1" latinLnBrk="1" hangingPunct="1">
+              <a:lnSpc>
+                <a:spcPct val="90000"/>
+              </a:lnSpc>
+              <a:spcBef>
+                <a:spcPts val="500"/>
+              </a:spcBef>
+              <a:buFont typeface="Arial" panose="020B0604020202020204" pitchFamily="34" charset="0"/>
+              <a:buChar char="•"/>
+              <a:defRPr sz="1800" kern="1200">
+                <a:solidFill>
+                  <a:schemeClr val="tx1"/>
+                </a:solidFill>
+                <a:latin typeface="+mn-lt"/>
+                <a:ea typeface="+mn-ea"/>
+                <a:cs typeface="+mn-cs"/>
+              </a:defRPr>
+            </a:lvl6pPr>
+            <a:lvl7pPr marL="2971800" indent="-228600" algn="l" defTabSz="914400" rtl="0" eaLnBrk="1" latinLnBrk="1" hangingPunct="1">
+              <a:lnSpc>
+                <a:spcPct val="90000"/>
+              </a:lnSpc>
+              <a:spcBef>
+                <a:spcPts val="500"/>
+              </a:spcBef>
+              <a:buFont typeface="Arial" panose="020B0604020202020204" pitchFamily="34" charset="0"/>
+              <a:buChar char="•"/>
+              <a:defRPr sz="1800" kern="1200">
+                <a:solidFill>
+                  <a:schemeClr val="tx1"/>
+                </a:solidFill>
+                <a:latin typeface="+mn-lt"/>
+                <a:ea typeface="+mn-ea"/>
+                <a:cs typeface="+mn-cs"/>
+              </a:defRPr>
+            </a:lvl7pPr>
+            <a:lvl8pPr marL="3429000" indent="-228600" algn="l" defTabSz="914400" rtl="0" eaLnBrk="1" latinLnBrk="1" hangingPunct="1">
+              <a:lnSpc>
+                <a:spcPct val="90000"/>
+              </a:lnSpc>
+              <a:spcBef>
+                <a:spcPts val="500"/>
+              </a:spcBef>
+              <a:buFont typeface="Arial" panose="020B0604020202020204" pitchFamily="34" charset="0"/>
+              <a:buChar char="•"/>
+              <a:defRPr sz="1800" kern="1200">
+                <a:solidFill>
+                  <a:schemeClr val="tx1"/>
+                </a:solidFill>
+                <a:latin typeface="+mn-lt"/>
+                <a:ea typeface="+mn-ea"/>
+                <a:cs typeface="+mn-cs"/>
+              </a:defRPr>
+            </a:lvl8pPr>
+            <a:lvl9pPr marL="3886200" indent="-228600" algn="l" defTabSz="914400" rtl="0" eaLnBrk="1" latinLnBrk="1" hangingPunct="1">
+              <a:lnSpc>
+                <a:spcPct val="90000"/>
+              </a:lnSpc>
+              <a:spcBef>
+                <a:spcPts val="500"/>
+              </a:spcBef>
+              <a:buFont typeface="Arial" panose="020B0604020202020204" pitchFamily="34" charset="0"/>
+              <a:buChar char="•"/>
+              <a:defRPr sz="1800" kern="1200">
+                <a:solidFill>
+                  <a:schemeClr val="tx1"/>
+                </a:solidFill>
+                <a:latin typeface="+mn-lt"/>
+                <a:ea typeface="+mn-ea"/>
+                <a:cs typeface="+mn-cs"/>
+              </a:defRPr>
+            </a:lvl9pPr>
+          </a:lstStyle>
+          <a:p>
+            <a:pPr marL="0" indent="0">
+              <a:buNone/>
+            </a:pPr>
+            <a:r>
+              <a:rPr lang="en-US" altLang="ko-KR" dirty="0"/>
+              <a:t>3. Right Join</a:t>
+            </a:r>
+          </a:p>
+          <a:p>
+            <a:pPr marL="0" indent="0">
+              <a:buNone/>
+            </a:pPr>
+            <a:r>
+              <a:rPr lang="en-US" altLang="ko-KR" dirty="0"/>
+              <a:t>  - </a:t>
+            </a:r>
+            <a:r>
+              <a:rPr lang="ko-KR" altLang="en-US" dirty="0"/>
+              <a:t>정의 </a:t>
+            </a:r>
+            <a:r>
+              <a:rPr lang="en-US" altLang="ko-KR" dirty="0"/>
+              <a:t>: </a:t>
+            </a:r>
+            <a:r>
+              <a:rPr lang="ko-KR" altLang="en-US" dirty="0"/>
+              <a:t>첫 테이블에 존재하지 않고 두번째 테이블에 존재 시 출력</a:t>
+            </a:r>
+            <a:endParaRPr lang="en-US" altLang="ko-KR" dirty="0"/>
+          </a:p>
+          <a:p>
+            <a:pPr marL="0" indent="0">
+              <a:buNone/>
+            </a:pPr>
+            <a:r>
+              <a:rPr lang="en-US" altLang="ko-KR" dirty="0"/>
+              <a:t>  - </a:t>
+            </a:r>
+            <a:r>
+              <a:rPr lang="ko-KR" altLang="en-US" dirty="0"/>
+              <a:t>형태</a:t>
+            </a:r>
+            <a:endParaRPr lang="en-US" altLang="ko-KR" dirty="0"/>
+          </a:p>
+          <a:p>
+            <a:pPr marL="0" indent="0">
+              <a:buNone/>
+            </a:pPr>
+            <a:r>
+              <a:rPr lang="en-US" altLang="ko-KR" dirty="0"/>
+              <a:t>   </a:t>
+            </a:r>
+            <a:r>
+              <a:rPr lang="ko-KR" altLang="en-US" dirty="0"/>
+              <a:t> </a:t>
+            </a:r>
+            <a:r>
+              <a:rPr lang="en-US" altLang="ko-KR" dirty="0"/>
+              <a:t>SELECT </a:t>
+            </a:r>
+            <a:r>
+              <a:rPr lang="ko-KR" altLang="en-US" dirty="0"/>
+              <a:t>컬럼</a:t>
+            </a:r>
+            <a:endParaRPr lang="en-US" altLang="ko-KR" dirty="0"/>
+          </a:p>
+          <a:p>
+            <a:pPr marL="0" indent="0">
+              <a:buNone/>
+            </a:pPr>
+            <a:r>
+              <a:rPr lang="en-US" altLang="ko-KR" dirty="0"/>
+              <a:t>     </a:t>
+            </a:r>
+            <a:r>
+              <a:rPr lang="ko-KR" altLang="en-US" dirty="0"/>
+              <a:t> </a:t>
+            </a:r>
+            <a:r>
+              <a:rPr lang="en-US" altLang="ko-KR" dirty="0"/>
+              <a:t>FROM </a:t>
+            </a:r>
+            <a:r>
+              <a:rPr lang="ko-KR" altLang="en-US" dirty="0"/>
+              <a:t>테이블</a:t>
+            </a:r>
+            <a:r>
+              <a:rPr lang="en-US" altLang="ko-KR" dirty="0"/>
+              <a:t>1 AS A</a:t>
+            </a:r>
+          </a:p>
+          <a:p>
+            <a:pPr marL="0" indent="0">
+              <a:buNone/>
+            </a:pPr>
+            <a:r>
+              <a:rPr lang="en-US" altLang="ko-KR" dirty="0"/>
+              <a:t>     RIGHT JOIN </a:t>
+            </a:r>
+            <a:r>
+              <a:rPr lang="ko-KR" altLang="en-US" dirty="0"/>
+              <a:t>테이블</a:t>
+            </a:r>
+            <a:r>
+              <a:rPr lang="en-US" altLang="ko-KR" dirty="0"/>
+              <a:t>2 AS B</a:t>
+            </a:r>
+          </a:p>
+          <a:p>
+            <a:pPr marL="0" indent="0">
+              <a:buNone/>
+            </a:pPr>
+            <a:r>
+              <a:rPr lang="en-US" altLang="ko-KR" dirty="0"/>
+              <a:t>     ON A.</a:t>
+            </a:r>
+            <a:r>
+              <a:rPr lang="ko-KR" altLang="en-US" dirty="0" err="1"/>
+              <a:t>키컬럼</a:t>
+            </a:r>
+            <a:r>
+              <a:rPr lang="en-US" altLang="ko-KR" dirty="0"/>
+              <a:t>1 = B.</a:t>
+            </a:r>
+            <a:r>
+              <a:rPr lang="ko-KR" altLang="en-US" dirty="0" err="1"/>
+              <a:t>키컬럼</a:t>
+            </a:r>
+            <a:r>
+              <a:rPr lang="en-US" altLang="ko-KR" dirty="0"/>
+              <a:t>1</a:t>
+            </a:r>
+          </a:p>
+        </p:txBody>
+      </p:sp>
+      <p:sp>
+        <p:nvSpPr>
+          <p:cNvPr id="8" name="타원 7"/>
+          <p:cNvSpPr/>
+          <p:nvPr/>
+        </p:nvSpPr>
+        <p:spPr>
+          <a:xfrm>
+            <a:off x="8539105" y="3144704"/>
+            <a:ext cx="1656184" cy="1656184"/>
+          </a:xfrm>
+          <a:prstGeom prst="ellipse">
+            <a:avLst/>
+          </a:prstGeom>
+          <a:noFill/>
+        </p:spPr>
+        <p:style>
+          <a:lnRef idx="2">
+            <a:schemeClr val="accent1">
+              <a:shade val="50000"/>
+            </a:schemeClr>
+          </a:lnRef>
+          <a:fillRef idx="1">
+            <a:schemeClr val="accent1"/>
+          </a:fillRef>
+          <a:effectRef idx="0">
+            <a:schemeClr val="accent1"/>
+          </a:effectRef>
+          <a:fontRef idx="minor">
+            <a:schemeClr val="lt1"/>
+          </a:fontRef>
+        </p:style>
+        <p:txBody>
+          <a:bodyPr rtlCol="0" anchor="ctr"/>
+          <a:lstStyle/>
+          <a:p>
+            <a:pPr algn="ctr"/>
+            <a:r>
+              <a:rPr lang="en-US" altLang="ko-KR" sz="2000" b="1" dirty="0">
+                <a:solidFill>
+                  <a:schemeClr val="tx1"/>
+                </a:solidFill>
+              </a:rPr>
+              <a:t>A</a:t>
+            </a:r>
+            <a:endParaRPr lang="ko-KR" altLang="en-US" sz="2000" b="1" dirty="0">
+              <a:solidFill>
+                <a:schemeClr val="tx1"/>
+              </a:solidFill>
+            </a:endParaRPr>
+          </a:p>
+        </p:txBody>
+      </p:sp>
+      <p:sp>
+        <p:nvSpPr>
+          <p:cNvPr id="9" name="타원 8"/>
+          <p:cNvSpPr/>
+          <p:nvPr/>
+        </p:nvSpPr>
+        <p:spPr>
+          <a:xfrm>
+            <a:off x="9605637" y="3140968"/>
+            <a:ext cx="1656184" cy="1656184"/>
+          </a:xfrm>
+          <a:prstGeom prst="ellipse">
+            <a:avLst/>
+          </a:prstGeom>
+          <a:solidFill>
+            <a:srgbClr val="FF0000"/>
+          </a:solidFill>
+        </p:spPr>
+        <p:style>
+          <a:lnRef idx="2">
+            <a:schemeClr val="accent1">
+              <a:shade val="50000"/>
+            </a:schemeClr>
+          </a:lnRef>
+          <a:fillRef idx="1">
+            <a:schemeClr val="accent1"/>
+          </a:fillRef>
+          <a:effectRef idx="0">
+            <a:schemeClr val="accent1"/>
+          </a:effectRef>
+          <a:fontRef idx="minor">
+            <a:schemeClr val="lt1"/>
+          </a:fontRef>
+        </p:style>
+        <p:txBody>
+          <a:bodyPr rtlCol="0" anchor="ctr"/>
+          <a:lstStyle/>
+          <a:p>
+            <a:pPr algn="ctr"/>
+            <a:r>
+              <a:rPr lang="en-US" altLang="ko-KR" sz="2000" b="1" dirty="0" smtClean="0">
+                <a:solidFill>
+                  <a:schemeClr val="tx1"/>
+                </a:solidFill>
+              </a:rPr>
+              <a:t>B</a:t>
+            </a:r>
+            <a:endParaRPr lang="ko-KR" altLang="en-US" sz="2000" b="1" dirty="0">
+              <a:solidFill>
+                <a:schemeClr val="tx1"/>
+              </a:solidFill>
+            </a:endParaRPr>
+          </a:p>
+        </p:txBody>
+      </p:sp>
+    </p:spTree>
+    <p:extLst>
+      <p:ext uri="{BB962C8B-B14F-4D97-AF65-F5344CB8AC3E}">
+        <p14:creationId xmlns:p14="http://schemas.microsoft.com/office/powerpoint/2010/main" val="1514004284"/>
+      </p:ext>
+    </p:extLst>
+  </p:cSld>
+  <p:clrMapOvr>
+    <a:masterClrMapping/>
+  </p:clrMapOvr>
+</p:sld>
+</file>
+
+<file path=ppt/slides/slide29.xml><?xml version="1.0" encoding="utf-8"?>
+<p:sld xmlns:a="http://schemas.openxmlformats.org/drawingml/2006/main" xmlns:r="http://schemas.openxmlformats.org/officeDocument/2006/relationships" xmlns:p="http://schemas.openxmlformats.org/presentationml/2006/main">
+  <p:cSld>
+    <p:spTree>
+      <p:nvGrpSpPr>
+        <p:cNvPr id="1" name=""/>
+        <p:cNvGrpSpPr/>
+        <p:nvPr/>
+      </p:nvGrpSpPr>
+      <p:grpSpPr>
+        <a:xfrm>
+          <a:off x="0" y="0"/>
+          <a:ext cx="0" cy="0"/>
+          <a:chOff x="0" y="0"/>
+          <a:chExt cx="0" cy="0"/>
+        </a:xfrm>
+      </p:grpSpPr>
+      <p:sp>
+        <p:nvSpPr>
+          <p:cNvPr id="44" name="도형 17"/>
+          <p:cNvSpPr>
+            <a:spLocks/>
+          </p:cNvSpPr>
+          <p:nvPr/>
+        </p:nvSpPr>
+        <p:spPr>
+          <a:xfrm>
+            <a:off x="765868" y="316230"/>
+            <a:ext cx="1090363" cy="454292"/>
+          </a:xfrm>
+          <a:prstGeom prst="rect">
+            <a:avLst/>
+          </a:prstGeom>
+          <a:ln w="0">
+            <a:noFill/>
+            <a:prstDash/>
+          </a:ln>
+        </p:spPr>
+        <p:txBody>
+          <a:bodyPr vert="horz" wrap="none" lIns="91440" tIns="45720" rIns="91440" bIns="45720" numCol="1" anchor="t">
+            <a:spAutoFit/>
+          </a:bodyPr>
+          <a:lstStyle/>
+          <a:p>
+            <a:pPr marL="0" indent="0" latinLnBrk="0">
+              <a:lnSpc>
+                <a:spcPct val="150000"/>
+              </a:lnSpc>
+              <a:buFontTx/>
+              <a:buNone/>
+            </a:pPr>
+            <a:r>
+              <a:rPr lang="en-US" altLang="ko-KR" dirty="0" smtClean="0">
+                <a:solidFill>
+                  <a:schemeClr val="bg1"/>
+                </a:solidFill>
+              </a:rPr>
+              <a:t>SQL Join</a:t>
+            </a:r>
+            <a:endParaRPr lang="ko-KR" altLang="en-US" dirty="0">
+              <a:solidFill>
+                <a:schemeClr val="bg1"/>
+              </a:solidFill>
+            </a:endParaRPr>
+          </a:p>
+        </p:txBody>
+      </p:sp>
+      <p:sp>
+        <p:nvSpPr>
+          <p:cNvPr id="7" name="내용 개체 틀 2"/>
+          <p:cNvSpPr txBox="1">
+            <a:spLocks/>
+          </p:cNvSpPr>
+          <p:nvPr/>
+        </p:nvSpPr>
+        <p:spPr>
+          <a:xfrm>
+            <a:off x="457200" y="1074106"/>
+            <a:ext cx="11222182" cy="4525963"/>
+          </a:xfrm>
+          <a:prstGeom prst="rect">
+            <a:avLst/>
+          </a:prstGeom>
+        </p:spPr>
+        <p:txBody>
+          <a:bodyPr/>
+          <a:lstStyle>
+            <a:lvl1pPr marL="228600" indent="-228600" algn="l" defTabSz="914400" rtl="0" eaLnBrk="1" latinLnBrk="1" hangingPunct="1">
+              <a:lnSpc>
+                <a:spcPct val="90000"/>
+              </a:lnSpc>
+              <a:spcBef>
+                <a:spcPts val="1000"/>
+              </a:spcBef>
+              <a:buFont typeface="Arial" panose="020B0604020202020204" pitchFamily="34" charset="0"/>
+              <a:buChar char="•"/>
+              <a:defRPr sz="2800" kern="1200">
+                <a:solidFill>
+                  <a:schemeClr val="tx1"/>
+                </a:solidFill>
+                <a:latin typeface="+mn-lt"/>
+                <a:ea typeface="+mn-ea"/>
+                <a:cs typeface="+mn-cs"/>
+              </a:defRPr>
+            </a:lvl1pPr>
+            <a:lvl2pPr marL="685800" indent="-228600" algn="l" defTabSz="914400" rtl="0" eaLnBrk="1" latinLnBrk="1" hangingPunct="1">
+              <a:lnSpc>
+                <a:spcPct val="90000"/>
+              </a:lnSpc>
+              <a:spcBef>
+                <a:spcPts val="500"/>
+              </a:spcBef>
+              <a:buFont typeface="Arial" panose="020B0604020202020204" pitchFamily="34" charset="0"/>
+              <a:buChar char="•"/>
+              <a:defRPr sz="2400" kern="1200">
+                <a:solidFill>
+                  <a:schemeClr val="tx1"/>
+                </a:solidFill>
+                <a:latin typeface="+mn-lt"/>
+                <a:ea typeface="+mn-ea"/>
+                <a:cs typeface="+mn-cs"/>
+              </a:defRPr>
+            </a:lvl2pPr>
+            <a:lvl3pPr marL="1143000" indent="-228600" algn="l" defTabSz="914400" rtl="0" eaLnBrk="1" latinLnBrk="1" hangingPunct="1">
+              <a:lnSpc>
+                <a:spcPct val="90000"/>
+              </a:lnSpc>
+              <a:spcBef>
+                <a:spcPts val="500"/>
+              </a:spcBef>
+              <a:buFont typeface="Arial" panose="020B0604020202020204" pitchFamily="34" charset="0"/>
+              <a:buChar char="•"/>
+              <a:defRPr sz="2000" kern="1200">
+                <a:solidFill>
+                  <a:schemeClr val="tx1"/>
+                </a:solidFill>
+                <a:latin typeface="+mn-lt"/>
+                <a:ea typeface="+mn-ea"/>
+                <a:cs typeface="+mn-cs"/>
+              </a:defRPr>
+            </a:lvl3pPr>
+            <a:lvl4pPr marL="1600200" indent="-228600" algn="l" defTabSz="914400" rtl="0" eaLnBrk="1" latinLnBrk="1" hangingPunct="1">
+              <a:lnSpc>
+                <a:spcPct val="90000"/>
+              </a:lnSpc>
+              <a:spcBef>
+                <a:spcPts val="500"/>
+              </a:spcBef>
+              <a:buFont typeface="Arial" panose="020B0604020202020204" pitchFamily="34" charset="0"/>
+              <a:buChar char="•"/>
+              <a:defRPr sz="1800" kern="1200">
+                <a:solidFill>
+                  <a:schemeClr val="tx1"/>
+                </a:solidFill>
+                <a:latin typeface="+mn-lt"/>
+                <a:ea typeface="+mn-ea"/>
+                <a:cs typeface="+mn-cs"/>
+              </a:defRPr>
+            </a:lvl4pPr>
+            <a:lvl5pPr marL="2057400" indent="-228600" algn="l" defTabSz="914400" rtl="0" eaLnBrk="1" latinLnBrk="1" hangingPunct="1">
+              <a:lnSpc>
+                <a:spcPct val="90000"/>
+              </a:lnSpc>
+              <a:spcBef>
+                <a:spcPts val="500"/>
+              </a:spcBef>
+              <a:buFont typeface="Arial" panose="020B0604020202020204" pitchFamily="34" charset="0"/>
+              <a:buChar char="•"/>
+              <a:defRPr sz="1800" kern="1200">
+                <a:solidFill>
+                  <a:schemeClr val="tx1"/>
+                </a:solidFill>
+                <a:latin typeface="+mn-lt"/>
+                <a:ea typeface="+mn-ea"/>
+                <a:cs typeface="+mn-cs"/>
+              </a:defRPr>
+            </a:lvl5pPr>
+            <a:lvl6pPr marL="2514600" indent="-228600" algn="l" defTabSz="914400" rtl="0" eaLnBrk="1" latinLnBrk="1" hangingPunct="1">
+              <a:lnSpc>
+                <a:spcPct val="90000"/>
+              </a:lnSpc>
+              <a:spcBef>
+                <a:spcPts val="500"/>
+              </a:spcBef>
+              <a:buFont typeface="Arial" panose="020B0604020202020204" pitchFamily="34" charset="0"/>
+              <a:buChar char="•"/>
+              <a:defRPr sz="1800" kern="1200">
+                <a:solidFill>
+                  <a:schemeClr val="tx1"/>
+                </a:solidFill>
+                <a:latin typeface="+mn-lt"/>
+                <a:ea typeface="+mn-ea"/>
+                <a:cs typeface="+mn-cs"/>
+              </a:defRPr>
+            </a:lvl6pPr>
+            <a:lvl7pPr marL="2971800" indent="-228600" algn="l" defTabSz="914400" rtl="0" eaLnBrk="1" latinLnBrk="1" hangingPunct="1">
+              <a:lnSpc>
+                <a:spcPct val="90000"/>
+              </a:lnSpc>
+              <a:spcBef>
+                <a:spcPts val="500"/>
+              </a:spcBef>
+              <a:buFont typeface="Arial" panose="020B0604020202020204" pitchFamily="34" charset="0"/>
+              <a:buChar char="•"/>
+              <a:defRPr sz="1800" kern="1200">
+                <a:solidFill>
+                  <a:schemeClr val="tx1"/>
+                </a:solidFill>
+                <a:latin typeface="+mn-lt"/>
+                <a:ea typeface="+mn-ea"/>
+                <a:cs typeface="+mn-cs"/>
+              </a:defRPr>
+            </a:lvl7pPr>
+            <a:lvl8pPr marL="3429000" indent="-228600" algn="l" defTabSz="914400" rtl="0" eaLnBrk="1" latinLnBrk="1" hangingPunct="1">
+              <a:lnSpc>
+                <a:spcPct val="90000"/>
+              </a:lnSpc>
+              <a:spcBef>
+                <a:spcPts val="500"/>
+              </a:spcBef>
+              <a:buFont typeface="Arial" panose="020B0604020202020204" pitchFamily="34" charset="0"/>
+              <a:buChar char="•"/>
+              <a:defRPr sz="1800" kern="1200">
+                <a:solidFill>
+                  <a:schemeClr val="tx1"/>
+                </a:solidFill>
+                <a:latin typeface="+mn-lt"/>
+                <a:ea typeface="+mn-ea"/>
+                <a:cs typeface="+mn-cs"/>
+              </a:defRPr>
+            </a:lvl8pPr>
+            <a:lvl9pPr marL="3886200" indent="-228600" algn="l" defTabSz="914400" rtl="0" eaLnBrk="1" latinLnBrk="1" hangingPunct="1">
+              <a:lnSpc>
+                <a:spcPct val="90000"/>
+              </a:lnSpc>
+              <a:spcBef>
+                <a:spcPts val="500"/>
+              </a:spcBef>
+              <a:buFont typeface="Arial" panose="020B0604020202020204" pitchFamily="34" charset="0"/>
+              <a:buChar char="•"/>
+              <a:defRPr sz="1800" kern="1200">
+                <a:solidFill>
+                  <a:schemeClr val="tx1"/>
+                </a:solidFill>
+                <a:latin typeface="+mn-lt"/>
+                <a:ea typeface="+mn-ea"/>
+                <a:cs typeface="+mn-cs"/>
+              </a:defRPr>
+            </a:lvl9pPr>
+          </a:lstStyle>
+          <a:p>
+            <a:pPr marL="0" indent="0">
+              <a:buNone/>
+            </a:pPr>
+            <a:r>
               <a:rPr lang="en-US" altLang="ko-KR" dirty="0"/>
               <a:t>3. Right </a:t>
             </a:r>
@@ -13597,7 +14375,6 @@
               <a:rPr lang="en-US" altLang="ko-KR" dirty="0"/>
               <a:t>   ON A.C_ID = B.C_ID;</a:t>
             </a:r>
-            <a:endParaRPr lang="en-US" altLang="ko-KR" dirty="0"/>
           </a:p>
         </p:txBody>
       </p:sp>
@@ -14273,6 +15050,1484 @@
 </p:sld>
 </file>
 
+<file path=ppt/slides/slide30.xml><?xml version="1.0" encoding="utf-8"?>
+<p:sld xmlns:a="http://schemas.openxmlformats.org/drawingml/2006/main" xmlns:r="http://schemas.openxmlformats.org/officeDocument/2006/relationships" xmlns:p="http://schemas.openxmlformats.org/presentationml/2006/main">
+  <p:cSld>
+    <p:spTree>
+      <p:nvGrpSpPr>
+        <p:cNvPr id="1" name=""/>
+        <p:cNvGrpSpPr/>
+        <p:nvPr/>
+      </p:nvGrpSpPr>
+      <p:grpSpPr>
+        <a:xfrm>
+          <a:off x="0" y="0"/>
+          <a:ext cx="0" cy="0"/>
+          <a:chOff x="0" y="0"/>
+          <a:chExt cx="0" cy="0"/>
+        </a:xfrm>
+      </p:grpSpPr>
+      <p:sp>
+        <p:nvSpPr>
+          <p:cNvPr id="12" name="도형 17"/>
+          <p:cNvSpPr>
+            <a:spLocks/>
+          </p:cNvSpPr>
+          <p:nvPr/>
+        </p:nvSpPr>
+        <p:spPr>
+          <a:xfrm>
+            <a:off x="765868" y="316230"/>
+            <a:ext cx="1090363" cy="454292"/>
+          </a:xfrm>
+          <a:prstGeom prst="rect">
+            <a:avLst/>
+          </a:prstGeom>
+          <a:ln w="0">
+            <a:noFill/>
+            <a:prstDash/>
+          </a:ln>
+        </p:spPr>
+        <p:txBody>
+          <a:bodyPr vert="horz" wrap="none" lIns="91440" tIns="45720" rIns="91440" bIns="45720" numCol="1" anchor="t">
+            <a:spAutoFit/>
+          </a:bodyPr>
+          <a:lstStyle/>
+          <a:p>
+            <a:pPr marL="0" indent="0" latinLnBrk="0">
+              <a:lnSpc>
+                <a:spcPct val="150000"/>
+              </a:lnSpc>
+              <a:buFontTx/>
+              <a:buNone/>
+            </a:pPr>
+            <a:r>
+              <a:rPr lang="en-US" altLang="ko-KR" dirty="0" smtClean="0">
+                <a:solidFill>
+                  <a:schemeClr val="bg1"/>
+                </a:solidFill>
+              </a:rPr>
+              <a:t>SQL Join</a:t>
+            </a:r>
+            <a:endParaRPr lang="ko-KR" altLang="en-US" dirty="0">
+              <a:solidFill>
+                <a:schemeClr val="bg1"/>
+              </a:solidFill>
+            </a:endParaRPr>
+          </a:p>
+        </p:txBody>
+      </p:sp>
+      <p:sp>
+        <p:nvSpPr>
+          <p:cNvPr id="10" name="내용 개체 틀 2"/>
+          <p:cNvSpPr txBox="1">
+            <a:spLocks/>
+          </p:cNvSpPr>
+          <p:nvPr/>
+        </p:nvSpPr>
+        <p:spPr>
+          <a:xfrm>
+            <a:off x="457200" y="1240078"/>
+            <a:ext cx="11222182" cy="4886086"/>
+          </a:xfrm>
+          <a:prstGeom prst="rect">
+            <a:avLst/>
+          </a:prstGeom>
+        </p:spPr>
+        <p:txBody>
+          <a:bodyPr/>
+          <a:lstStyle>
+            <a:lvl1pPr marL="228600" indent="-228600" algn="l" defTabSz="914400" rtl="0" eaLnBrk="1" latinLnBrk="1" hangingPunct="1">
+              <a:lnSpc>
+                <a:spcPct val="90000"/>
+              </a:lnSpc>
+              <a:spcBef>
+                <a:spcPts val="1000"/>
+              </a:spcBef>
+              <a:buFont typeface="Arial" panose="020B0604020202020204" pitchFamily="34" charset="0"/>
+              <a:buChar char="•"/>
+              <a:defRPr sz="2800" kern="1200">
+                <a:solidFill>
+                  <a:schemeClr val="tx1"/>
+                </a:solidFill>
+                <a:latin typeface="+mn-lt"/>
+                <a:ea typeface="+mn-ea"/>
+                <a:cs typeface="+mn-cs"/>
+              </a:defRPr>
+            </a:lvl1pPr>
+            <a:lvl2pPr marL="685800" indent="-228600" algn="l" defTabSz="914400" rtl="0" eaLnBrk="1" latinLnBrk="1" hangingPunct="1">
+              <a:lnSpc>
+                <a:spcPct val="90000"/>
+              </a:lnSpc>
+              <a:spcBef>
+                <a:spcPts val="500"/>
+              </a:spcBef>
+              <a:buFont typeface="Arial" panose="020B0604020202020204" pitchFamily="34" charset="0"/>
+              <a:buChar char="•"/>
+              <a:defRPr sz="2400" kern="1200">
+                <a:solidFill>
+                  <a:schemeClr val="tx1"/>
+                </a:solidFill>
+                <a:latin typeface="+mn-lt"/>
+                <a:ea typeface="+mn-ea"/>
+                <a:cs typeface="+mn-cs"/>
+              </a:defRPr>
+            </a:lvl2pPr>
+            <a:lvl3pPr marL="1143000" indent="-228600" algn="l" defTabSz="914400" rtl="0" eaLnBrk="1" latinLnBrk="1" hangingPunct="1">
+              <a:lnSpc>
+                <a:spcPct val="90000"/>
+              </a:lnSpc>
+              <a:spcBef>
+                <a:spcPts val="500"/>
+              </a:spcBef>
+              <a:buFont typeface="Arial" panose="020B0604020202020204" pitchFamily="34" charset="0"/>
+              <a:buChar char="•"/>
+              <a:defRPr sz="2000" kern="1200">
+                <a:solidFill>
+                  <a:schemeClr val="tx1"/>
+                </a:solidFill>
+                <a:latin typeface="+mn-lt"/>
+                <a:ea typeface="+mn-ea"/>
+                <a:cs typeface="+mn-cs"/>
+              </a:defRPr>
+            </a:lvl3pPr>
+            <a:lvl4pPr marL="1600200" indent="-228600" algn="l" defTabSz="914400" rtl="0" eaLnBrk="1" latinLnBrk="1" hangingPunct="1">
+              <a:lnSpc>
+                <a:spcPct val="90000"/>
+              </a:lnSpc>
+              <a:spcBef>
+                <a:spcPts val="500"/>
+              </a:spcBef>
+              <a:buFont typeface="Arial" panose="020B0604020202020204" pitchFamily="34" charset="0"/>
+              <a:buChar char="•"/>
+              <a:defRPr sz="1800" kern="1200">
+                <a:solidFill>
+                  <a:schemeClr val="tx1"/>
+                </a:solidFill>
+                <a:latin typeface="+mn-lt"/>
+                <a:ea typeface="+mn-ea"/>
+                <a:cs typeface="+mn-cs"/>
+              </a:defRPr>
+            </a:lvl4pPr>
+            <a:lvl5pPr marL="2057400" indent="-228600" algn="l" defTabSz="914400" rtl="0" eaLnBrk="1" latinLnBrk="1" hangingPunct="1">
+              <a:lnSpc>
+                <a:spcPct val="90000"/>
+              </a:lnSpc>
+              <a:spcBef>
+                <a:spcPts val="500"/>
+              </a:spcBef>
+              <a:buFont typeface="Arial" panose="020B0604020202020204" pitchFamily="34" charset="0"/>
+              <a:buChar char="•"/>
+              <a:defRPr sz="1800" kern="1200">
+                <a:solidFill>
+                  <a:schemeClr val="tx1"/>
+                </a:solidFill>
+                <a:latin typeface="+mn-lt"/>
+                <a:ea typeface="+mn-ea"/>
+                <a:cs typeface="+mn-cs"/>
+              </a:defRPr>
+            </a:lvl5pPr>
+            <a:lvl6pPr marL="2514600" indent="-228600" algn="l" defTabSz="914400" rtl="0" eaLnBrk="1" latinLnBrk="1" hangingPunct="1">
+              <a:lnSpc>
+                <a:spcPct val="90000"/>
+              </a:lnSpc>
+              <a:spcBef>
+                <a:spcPts val="500"/>
+              </a:spcBef>
+              <a:buFont typeface="Arial" panose="020B0604020202020204" pitchFamily="34" charset="0"/>
+              <a:buChar char="•"/>
+              <a:defRPr sz="1800" kern="1200">
+                <a:solidFill>
+                  <a:schemeClr val="tx1"/>
+                </a:solidFill>
+                <a:latin typeface="+mn-lt"/>
+                <a:ea typeface="+mn-ea"/>
+                <a:cs typeface="+mn-cs"/>
+              </a:defRPr>
+            </a:lvl6pPr>
+            <a:lvl7pPr marL="2971800" indent="-228600" algn="l" defTabSz="914400" rtl="0" eaLnBrk="1" latinLnBrk="1" hangingPunct="1">
+              <a:lnSpc>
+                <a:spcPct val="90000"/>
+              </a:lnSpc>
+              <a:spcBef>
+                <a:spcPts val="500"/>
+              </a:spcBef>
+              <a:buFont typeface="Arial" panose="020B0604020202020204" pitchFamily="34" charset="0"/>
+              <a:buChar char="•"/>
+              <a:defRPr sz="1800" kern="1200">
+                <a:solidFill>
+                  <a:schemeClr val="tx1"/>
+                </a:solidFill>
+                <a:latin typeface="+mn-lt"/>
+                <a:ea typeface="+mn-ea"/>
+                <a:cs typeface="+mn-cs"/>
+              </a:defRPr>
+            </a:lvl7pPr>
+            <a:lvl8pPr marL="3429000" indent="-228600" algn="l" defTabSz="914400" rtl="0" eaLnBrk="1" latinLnBrk="1" hangingPunct="1">
+              <a:lnSpc>
+                <a:spcPct val="90000"/>
+              </a:lnSpc>
+              <a:spcBef>
+                <a:spcPts val="500"/>
+              </a:spcBef>
+              <a:buFont typeface="Arial" panose="020B0604020202020204" pitchFamily="34" charset="0"/>
+              <a:buChar char="•"/>
+              <a:defRPr sz="1800" kern="1200">
+                <a:solidFill>
+                  <a:schemeClr val="tx1"/>
+                </a:solidFill>
+                <a:latin typeface="+mn-lt"/>
+                <a:ea typeface="+mn-ea"/>
+                <a:cs typeface="+mn-cs"/>
+              </a:defRPr>
+            </a:lvl8pPr>
+            <a:lvl9pPr marL="3886200" indent="-228600" algn="l" defTabSz="914400" rtl="0" eaLnBrk="1" latinLnBrk="1" hangingPunct="1">
+              <a:lnSpc>
+                <a:spcPct val="90000"/>
+              </a:lnSpc>
+              <a:spcBef>
+                <a:spcPts val="500"/>
+              </a:spcBef>
+              <a:buFont typeface="Arial" panose="020B0604020202020204" pitchFamily="34" charset="0"/>
+              <a:buChar char="•"/>
+              <a:defRPr sz="1800" kern="1200">
+                <a:solidFill>
+                  <a:schemeClr val="tx1"/>
+                </a:solidFill>
+                <a:latin typeface="+mn-lt"/>
+                <a:ea typeface="+mn-ea"/>
+                <a:cs typeface="+mn-cs"/>
+              </a:defRPr>
+            </a:lvl9pPr>
+          </a:lstStyle>
+          <a:p>
+            <a:pPr marL="0" indent="0">
+              <a:buNone/>
+            </a:pPr>
+            <a:r>
+              <a:rPr lang="ko-KR" altLang="en-US" dirty="0" smtClean="0"/>
+              <a:t>실습 </a:t>
+            </a:r>
+            <a:r>
+              <a:rPr lang="en-US" altLang="ko-KR" dirty="0" smtClean="0"/>
+              <a:t>5. </a:t>
+            </a:r>
+            <a:r>
+              <a:rPr lang="ko-KR" altLang="en-US" dirty="0" smtClean="0"/>
+              <a:t>고객관리대장과 상품권관리대장을 </a:t>
+            </a:r>
+            <a:r>
+              <a:rPr lang="en-US" altLang="ko-KR" dirty="0" smtClean="0"/>
+              <a:t>Right Join </a:t>
+            </a:r>
+            <a:r>
+              <a:rPr lang="ko-KR" altLang="en-US" dirty="0" smtClean="0"/>
+              <a:t>하여 이름</a:t>
+            </a:r>
+            <a:r>
+              <a:rPr lang="en-US" altLang="ko-KR" dirty="0" smtClean="0"/>
+              <a:t>, </a:t>
+            </a:r>
+            <a:r>
+              <a:rPr lang="ko-KR" altLang="en-US" dirty="0" smtClean="0"/>
+              <a:t>연락처</a:t>
+            </a:r>
+            <a:r>
+              <a:rPr lang="en-US" altLang="ko-KR" dirty="0" smtClean="0"/>
+              <a:t>, </a:t>
+            </a:r>
+            <a:r>
+              <a:rPr lang="ko-KR" altLang="en-US" dirty="0" err="1" smtClean="0"/>
+              <a:t>수령금액</a:t>
+            </a:r>
+            <a:r>
+              <a:rPr lang="en-US" altLang="ko-KR" dirty="0" smtClean="0"/>
+              <a:t>, </a:t>
+            </a:r>
+            <a:r>
+              <a:rPr lang="ko-KR" altLang="en-US" dirty="0" err="1" smtClean="0"/>
+              <a:t>수령일자를</a:t>
+            </a:r>
+            <a:r>
+              <a:rPr lang="ko-KR" altLang="en-US" dirty="0" smtClean="0"/>
+              <a:t> </a:t>
+            </a:r>
+            <a:r>
+              <a:rPr lang="ko-KR" altLang="en-US" dirty="0" err="1" smtClean="0"/>
+              <a:t>출력하시오</a:t>
+            </a:r>
+            <a:endParaRPr lang="en-US" altLang="ko-KR" dirty="0" smtClean="0"/>
+          </a:p>
+          <a:p>
+            <a:pPr marL="0" indent="0">
+              <a:buNone/>
+            </a:pPr>
+            <a:endParaRPr lang="en-US" altLang="ko-KR" dirty="0"/>
+          </a:p>
+          <a:p>
+            <a:pPr marL="0" indent="0">
+              <a:buNone/>
+            </a:pPr>
+            <a:r>
+              <a:rPr lang="ko-KR" altLang="en-US" dirty="0" smtClean="0"/>
+              <a:t>실습 </a:t>
+            </a:r>
+            <a:r>
+              <a:rPr lang="en-US" altLang="ko-KR" dirty="0" smtClean="0"/>
+              <a:t>6. “</a:t>
+            </a:r>
+            <a:r>
+              <a:rPr lang="ko-KR" altLang="en-US" dirty="0" smtClean="0"/>
+              <a:t>실습 </a:t>
+            </a:r>
+            <a:r>
+              <a:rPr lang="en-US" altLang="ko-KR" dirty="0"/>
+              <a:t>5</a:t>
+            </a:r>
+            <a:r>
+              <a:rPr lang="en-US" altLang="ko-KR" dirty="0" smtClean="0"/>
+              <a:t>”</a:t>
+            </a:r>
+            <a:r>
+              <a:rPr lang="ko-KR" altLang="en-US" dirty="0" smtClean="0"/>
+              <a:t>에서 </a:t>
+            </a:r>
+            <a:r>
+              <a:rPr lang="en-US" altLang="ko-KR" dirty="0" smtClean="0"/>
+              <a:t>40</a:t>
+            </a:r>
+            <a:r>
+              <a:rPr lang="ko-KR" altLang="en-US" dirty="0" smtClean="0"/>
+              <a:t>대 이상만 </a:t>
+            </a:r>
+            <a:r>
+              <a:rPr lang="ko-KR" altLang="en-US" dirty="0" err="1" smtClean="0"/>
+              <a:t>출력하시오</a:t>
+            </a:r>
+            <a:r>
+              <a:rPr lang="en-US" altLang="ko-KR" dirty="0" smtClean="0"/>
+              <a:t>.</a:t>
+            </a:r>
+            <a:endParaRPr lang="en-US" altLang="ko-KR" dirty="0"/>
+          </a:p>
+          <a:p>
+            <a:pPr marL="0" indent="0">
+              <a:buNone/>
+            </a:pPr>
+            <a:endParaRPr lang="en-US" altLang="ko-KR" dirty="0" smtClean="0"/>
+          </a:p>
+          <a:p>
+            <a:pPr marL="0" indent="0">
+              <a:buNone/>
+            </a:pPr>
+            <a:r>
+              <a:rPr lang="ko-KR" altLang="en-US" dirty="0" smtClean="0"/>
+              <a:t>실습 </a:t>
+            </a:r>
+            <a:r>
+              <a:rPr lang="en-US" altLang="ko-KR" dirty="0" smtClean="0"/>
+              <a:t>7. </a:t>
+            </a:r>
+            <a:r>
+              <a:rPr lang="ko-KR" altLang="en-US" dirty="0" smtClean="0"/>
+              <a:t>장르</a:t>
+            </a:r>
+            <a:r>
+              <a:rPr lang="en-US" altLang="ko-KR" dirty="0" smtClean="0"/>
+              <a:t>, </a:t>
+            </a:r>
+            <a:r>
+              <a:rPr lang="ko-KR" altLang="en-US" dirty="0" smtClean="0"/>
+              <a:t>공연 테이블을 만들고 데이터를 </a:t>
+            </a:r>
+            <a:r>
+              <a:rPr lang="ko-KR" altLang="en-US" dirty="0" err="1" smtClean="0"/>
+              <a:t>입력하시오</a:t>
+            </a:r>
+            <a:endParaRPr lang="en-US" altLang="ko-KR" dirty="0" smtClean="0"/>
+          </a:p>
+          <a:p>
+            <a:pPr marL="0" indent="0">
+              <a:buNone/>
+            </a:pPr>
+            <a:r>
+              <a:rPr lang="en-US" altLang="ko-KR" dirty="0"/>
+              <a:t> </a:t>
+            </a:r>
+            <a:r>
+              <a:rPr lang="en-US" altLang="ko-KR" dirty="0" smtClean="0"/>
+              <a:t>        8</a:t>
+            </a:r>
+            <a:r>
+              <a:rPr lang="ko-KR" altLang="en-US" dirty="0" smtClean="0"/>
+              <a:t>강</a:t>
+            </a:r>
+            <a:r>
+              <a:rPr lang="en-US" altLang="ko-KR" dirty="0" smtClean="0"/>
+              <a:t>Source.xlsx </a:t>
+            </a:r>
+            <a:r>
+              <a:rPr lang="ko-KR" altLang="en-US" dirty="0" smtClean="0"/>
+              <a:t>파일의 </a:t>
+            </a:r>
+            <a:r>
+              <a:rPr lang="en-US" altLang="ko-KR" dirty="0" smtClean="0"/>
+              <a:t>“</a:t>
+            </a:r>
+            <a:r>
+              <a:rPr lang="ko-KR" altLang="en-US" dirty="0"/>
+              <a:t>장르</a:t>
+            </a:r>
+            <a:r>
+              <a:rPr lang="en-US" altLang="ko-KR" dirty="0"/>
+              <a:t>_</a:t>
+            </a:r>
+            <a:r>
+              <a:rPr lang="ko-KR" altLang="en-US" dirty="0" smtClean="0"/>
+              <a:t>공연</a:t>
+            </a:r>
+            <a:r>
+              <a:rPr lang="en-US" altLang="ko-KR" dirty="0" smtClean="0"/>
+              <a:t>” </a:t>
+            </a:r>
+            <a:r>
+              <a:rPr lang="ko-KR" altLang="en-US" dirty="0" smtClean="0"/>
+              <a:t>시트를 참조 하시오</a:t>
+            </a:r>
+            <a:r>
+              <a:rPr lang="en-US" altLang="ko-KR" dirty="0" smtClean="0"/>
+              <a:t>.</a:t>
+            </a:r>
+          </a:p>
+          <a:p>
+            <a:pPr marL="0" indent="0">
+              <a:buNone/>
+            </a:pPr>
+            <a:endParaRPr lang="en-US" altLang="ko-KR" dirty="0"/>
+          </a:p>
+        </p:txBody>
+      </p:sp>
+    </p:spTree>
+    <p:extLst>
+      <p:ext uri="{BB962C8B-B14F-4D97-AF65-F5344CB8AC3E}">
+        <p14:creationId xmlns:p14="http://schemas.microsoft.com/office/powerpoint/2010/main" val="4060304540"/>
+      </p:ext>
+    </p:extLst>
+  </p:cSld>
+  <p:clrMapOvr>
+    <a:masterClrMapping/>
+  </p:clrMapOvr>
+</p:sld>
+</file>
+
+<file path=ppt/slides/slide31.xml><?xml version="1.0" encoding="utf-8"?>
+<p:sld xmlns:a="http://schemas.openxmlformats.org/drawingml/2006/main" xmlns:r="http://schemas.openxmlformats.org/officeDocument/2006/relationships" xmlns:p="http://schemas.openxmlformats.org/presentationml/2006/main">
+  <p:cSld>
+    <p:spTree>
+      <p:nvGrpSpPr>
+        <p:cNvPr id="1" name=""/>
+        <p:cNvGrpSpPr/>
+        <p:nvPr/>
+      </p:nvGrpSpPr>
+      <p:grpSpPr>
+        <a:xfrm>
+          <a:off x="0" y="0"/>
+          <a:ext cx="0" cy="0"/>
+          <a:chOff x="0" y="0"/>
+          <a:chExt cx="0" cy="0"/>
+        </a:xfrm>
+      </p:grpSpPr>
+      <p:sp>
+        <p:nvSpPr>
+          <p:cNvPr id="12" name="도형 17"/>
+          <p:cNvSpPr>
+            <a:spLocks/>
+          </p:cNvSpPr>
+          <p:nvPr/>
+        </p:nvSpPr>
+        <p:spPr>
+          <a:xfrm>
+            <a:off x="765868" y="316230"/>
+            <a:ext cx="1090363" cy="454292"/>
+          </a:xfrm>
+          <a:prstGeom prst="rect">
+            <a:avLst/>
+          </a:prstGeom>
+          <a:ln w="0">
+            <a:noFill/>
+            <a:prstDash/>
+          </a:ln>
+        </p:spPr>
+        <p:txBody>
+          <a:bodyPr vert="horz" wrap="none" lIns="91440" tIns="45720" rIns="91440" bIns="45720" numCol="1" anchor="t">
+            <a:spAutoFit/>
+          </a:bodyPr>
+          <a:lstStyle/>
+          <a:p>
+            <a:pPr marL="0" indent="0" latinLnBrk="0">
+              <a:lnSpc>
+                <a:spcPct val="150000"/>
+              </a:lnSpc>
+              <a:buFontTx/>
+              <a:buNone/>
+            </a:pPr>
+            <a:r>
+              <a:rPr lang="en-US" altLang="ko-KR" dirty="0" smtClean="0">
+                <a:solidFill>
+                  <a:schemeClr val="bg1"/>
+                </a:solidFill>
+              </a:rPr>
+              <a:t>SQL Join</a:t>
+            </a:r>
+            <a:endParaRPr lang="ko-KR" altLang="en-US" dirty="0">
+              <a:solidFill>
+                <a:schemeClr val="bg1"/>
+              </a:solidFill>
+            </a:endParaRPr>
+          </a:p>
+        </p:txBody>
+      </p:sp>
+      <p:pic>
+        <p:nvPicPr>
+          <p:cNvPr id="2" name="그림 1"/>
+          <p:cNvPicPr>
+            <a:picLocks noChangeAspect="1"/>
+          </p:cNvPicPr>
+          <p:nvPr/>
+        </p:nvPicPr>
+        <p:blipFill>
+          <a:blip r:embed="rId2"/>
+          <a:stretch>
+            <a:fillRect/>
+          </a:stretch>
+        </p:blipFill>
+        <p:spPr>
+          <a:xfrm>
+            <a:off x="569259" y="1412017"/>
+            <a:ext cx="3489174" cy="3639571"/>
+          </a:xfrm>
+          <a:prstGeom prst="rect">
+            <a:avLst/>
+          </a:prstGeom>
+        </p:spPr>
+      </p:pic>
+      <p:pic>
+        <p:nvPicPr>
+          <p:cNvPr id="3" name="그림 2"/>
+          <p:cNvPicPr>
+            <a:picLocks noChangeAspect="1"/>
+          </p:cNvPicPr>
+          <p:nvPr/>
+        </p:nvPicPr>
+        <p:blipFill>
+          <a:blip r:embed="rId3"/>
+          <a:stretch>
+            <a:fillRect/>
+          </a:stretch>
+        </p:blipFill>
+        <p:spPr>
+          <a:xfrm>
+            <a:off x="6474507" y="1412018"/>
+            <a:ext cx="3984726" cy="4478073"/>
+          </a:xfrm>
+          <a:prstGeom prst="rect">
+            <a:avLst/>
+          </a:prstGeom>
+        </p:spPr>
+      </p:pic>
+    </p:spTree>
+    <p:extLst>
+      <p:ext uri="{BB962C8B-B14F-4D97-AF65-F5344CB8AC3E}">
+        <p14:creationId xmlns:p14="http://schemas.microsoft.com/office/powerpoint/2010/main" val="312789142"/>
+      </p:ext>
+    </p:extLst>
+  </p:cSld>
+  <p:clrMapOvr>
+    <a:masterClrMapping/>
+  </p:clrMapOvr>
+</p:sld>
+</file>
+
+<file path=ppt/slides/slide32.xml><?xml version="1.0" encoding="utf-8"?>
+<p:sld xmlns:a="http://schemas.openxmlformats.org/drawingml/2006/main" xmlns:r="http://schemas.openxmlformats.org/officeDocument/2006/relationships" xmlns:p="http://schemas.openxmlformats.org/presentationml/2006/main">
+  <p:cSld>
+    <p:spTree>
+      <p:nvGrpSpPr>
+        <p:cNvPr id="1" name=""/>
+        <p:cNvGrpSpPr/>
+        <p:nvPr/>
+      </p:nvGrpSpPr>
+      <p:grpSpPr>
+        <a:xfrm>
+          <a:off x="0" y="0"/>
+          <a:ext cx="0" cy="0"/>
+          <a:chOff x="0" y="0"/>
+          <a:chExt cx="0" cy="0"/>
+        </a:xfrm>
+      </p:grpSpPr>
+      <p:sp>
+        <p:nvSpPr>
+          <p:cNvPr id="12" name="도형 17"/>
+          <p:cNvSpPr>
+            <a:spLocks/>
+          </p:cNvSpPr>
+          <p:nvPr/>
+        </p:nvSpPr>
+        <p:spPr>
+          <a:xfrm>
+            <a:off x="765868" y="316230"/>
+            <a:ext cx="1090363" cy="454292"/>
+          </a:xfrm>
+          <a:prstGeom prst="rect">
+            <a:avLst/>
+          </a:prstGeom>
+          <a:ln w="0">
+            <a:noFill/>
+            <a:prstDash/>
+          </a:ln>
+        </p:spPr>
+        <p:txBody>
+          <a:bodyPr vert="horz" wrap="none" lIns="91440" tIns="45720" rIns="91440" bIns="45720" numCol="1" anchor="t">
+            <a:spAutoFit/>
+          </a:bodyPr>
+          <a:lstStyle/>
+          <a:p>
+            <a:pPr marL="0" indent="0" latinLnBrk="0">
+              <a:lnSpc>
+                <a:spcPct val="150000"/>
+              </a:lnSpc>
+              <a:buFontTx/>
+              <a:buNone/>
+            </a:pPr>
+            <a:r>
+              <a:rPr lang="en-US" altLang="ko-KR" dirty="0" smtClean="0">
+                <a:solidFill>
+                  <a:schemeClr val="bg1"/>
+                </a:solidFill>
+              </a:rPr>
+              <a:t>SQL Join</a:t>
+            </a:r>
+            <a:endParaRPr lang="ko-KR" altLang="en-US" dirty="0">
+              <a:solidFill>
+                <a:schemeClr val="bg1"/>
+              </a:solidFill>
+            </a:endParaRPr>
+          </a:p>
+        </p:txBody>
+      </p:sp>
+      <p:sp>
+        <p:nvSpPr>
+          <p:cNvPr id="10" name="내용 개체 틀 2"/>
+          <p:cNvSpPr txBox="1">
+            <a:spLocks/>
+          </p:cNvSpPr>
+          <p:nvPr/>
+        </p:nvSpPr>
+        <p:spPr>
+          <a:xfrm>
+            <a:off x="457200" y="1240078"/>
+            <a:ext cx="11222182" cy="4886086"/>
+          </a:xfrm>
+          <a:prstGeom prst="rect">
+            <a:avLst/>
+          </a:prstGeom>
+        </p:spPr>
+        <p:txBody>
+          <a:bodyPr/>
+          <a:lstStyle>
+            <a:lvl1pPr marL="228600" indent="-228600" algn="l" defTabSz="914400" rtl="0" eaLnBrk="1" latinLnBrk="1" hangingPunct="1">
+              <a:lnSpc>
+                <a:spcPct val="90000"/>
+              </a:lnSpc>
+              <a:spcBef>
+                <a:spcPts val="1000"/>
+              </a:spcBef>
+              <a:buFont typeface="Arial" panose="020B0604020202020204" pitchFamily="34" charset="0"/>
+              <a:buChar char="•"/>
+              <a:defRPr sz="2800" kern="1200">
+                <a:solidFill>
+                  <a:schemeClr val="tx1"/>
+                </a:solidFill>
+                <a:latin typeface="+mn-lt"/>
+                <a:ea typeface="+mn-ea"/>
+                <a:cs typeface="+mn-cs"/>
+              </a:defRPr>
+            </a:lvl1pPr>
+            <a:lvl2pPr marL="685800" indent="-228600" algn="l" defTabSz="914400" rtl="0" eaLnBrk="1" latinLnBrk="1" hangingPunct="1">
+              <a:lnSpc>
+                <a:spcPct val="90000"/>
+              </a:lnSpc>
+              <a:spcBef>
+                <a:spcPts val="500"/>
+              </a:spcBef>
+              <a:buFont typeface="Arial" panose="020B0604020202020204" pitchFamily="34" charset="0"/>
+              <a:buChar char="•"/>
+              <a:defRPr sz="2400" kern="1200">
+                <a:solidFill>
+                  <a:schemeClr val="tx1"/>
+                </a:solidFill>
+                <a:latin typeface="+mn-lt"/>
+                <a:ea typeface="+mn-ea"/>
+                <a:cs typeface="+mn-cs"/>
+              </a:defRPr>
+            </a:lvl2pPr>
+            <a:lvl3pPr marL="1143000" indent="-228600" algn="l" defTabSz="914400" rtl="0" eaLnBrk="1" latinLnBrk="1" hangingPunct="1">
+              <a:lnSpc>
+                <a:spcPct val="90000"/>
+              </a:lnSpc>
+              <a:spcBef>
+                <a:spcPts val="500"/>
+              </a:spcBef>
+              <a:buFont typeface="Arial" panose="020B0604020202020204" pitchFamily="34" charset="0"/>
+              <a:buChar char="•"/>
+              <a:defRPr sz="2000" kern="1200">
+                <a:solidFill>
+                  <a:schemeClr val="tx1"/>
+                </a:solidFill>
+                <a:latin typeface="+mn-lt"/>
+                <a:ea typeface="+mn-ea"/>
+                <a:cs typeface="+mn-cs"/>
+              </a:defRPr>
+            </a:lvl3pPr>
+            <a:lvl4pPr marL="1600200" indent="-228600" algn="l" defTabSz="914400" rtl="0" eaLnBrk="1" latinLnBrk="1" hangingPunct="1">
+              <a:lnSpc>
+                <a:spcPct val="90000"/>
+              </a:lnSpc>
+              <a:spcBef>
+                <a:spcPts val="500"/>
+              </a:spcBef>
+              <a:buFont typeface="Arial" panose="020B0604020202020204" pitchFamily="34" charset="0"/>
+              <a:buChar char="•"/>
+              <a:defRPr sz="1800" kern="1200">
+                <a:solidFill>
+                  <a:schemeClr val="tx1"/>
+                </a:solidFill>
+                <a:latin typeface="+mn-lt"/>
+                <a:ea typeface="+mn-ea"/>
+                <a:cs typeface="+mn-cs"/>
+              </a:defRPr>
+            </a:lvl4pPr>
+            <a:lvl5pPr marL="2057400" indent="-228600" algn="l" defTabSz="914400" rtl="0" eaLnBrk="1" latinLnBrk="1" hangingPunct="1">
+              <a:lnSpc>
+                <a:spcPct val="90000"/>
+              </a:lnSpc>
+              <a:spcBef>
+                <a:spcPts val="500"/>
+              </a:spcBef>
+              <a:buFont typeface="Arial" panose="020B0604020202020204" pitchFamily="34" charset="0"/>
+              <a:buChar char="•"/>
+              <a:defRPr sz="1800" kern="1200">
+                <a:solidFill>
+                  <a:schemeClr val="tx1"/>
+                </a:solidFill>
+                <a:latin typeface="+mn-lt"/>
+                <a:ea typeface="+mn-ea"/>
+                <a:cs typeface="+mn-cs"/>
+              </a:defRPr>
+            </a:lvl5pPr>
+            <a:lvl6pPr marL="2514600" indent="-228600" algn="l" defTabSz="914400" rtl="0" eaLnBrk="1" latinLnBrk="1" hangingPunct="1">
+              <a:lnSpc>
+                <a:spcPct val="90000"/>
+              </a:lnSpc>
+              <a:spcBef>
+                <a:spcPts val="500"/>
+              </a:spcBef>
+              <a:buFont typeface="Arial" panose="020B0604020202020204" pitchFamily="34" charset="0"/>
+              <a:buChar char="•"/>
+              <a:defRPr sz="1800" kern="1200">
+                <a:solidFill>
+                  <a:schemeClr val="tx1"/>
+                </a:solidFill>
+                <a:latin typeface="+mn-lt"/>
+                <a:ea typeface="+mn-ea"/>
+                <a:cs typeface="+mn-cs"/>
+              </a:defRPr>
+            </a:lvl6pPr>
+            <a:lvl7pPr marL="2971800" indent="-228600" algn="l" defTabSz="914400" rtl="0" eaLnBrk="1" latinLnBrk="1" hangingPunct="1">
+              <a:lnSpc>
+                <a:spcPct val="90000"/>
+              </a:lnSpc>
+              <a:spcBef>
+                <a:spcPts val="500"/>
+              </a:spcBef>
+              <a:buFont typeface="Arial" panose="020B0604020202020204" pitchFamily="34" charset="0"/>
+              <a:buChar char="•"/>
+              <a:defRPr sz="1800" kern="1200">
+                <a:solidFill>
+                  <a:schemeClr val="tx1"/>
+                </a:solidFill>
+                <a:latin typeface="+mn-lt"/>
+                <a:ea typeface="+mn-ea"/>
+                <a:cs typeface="+mn-cs"/>
+              </a:defRPr>
+            </a:lvl7pPr>
+            <a:lvl8pPr marL="3429000" indent="-228600" algn="l" defTabSz="914400" rtl="0" eaLnBrk="1" latinLnBrk="1" hangingPunct="1">
+              <a:lnSpc>
+                <a:spcPct val="90000"/>
+              </a:lnSpc>
+              <a:spcBef>
+                <a:spcPts val="500"/>
+              </a:spcBef>
+              <a:buFont typeface="Arial" panose="020B0604020202020204" pitchFamily="34" charset="0"/>
+              <a:buChar char="•"/>
+              <a:defRPr sz="1800" kern="1200">
+                <a:solidFill>
+                  <a:schemeClr val="tx1"/>
+                </a:solidFill>
+                <a:latin typeface="+mn-lt"/>
+                <a:ea typeface="+mn-ea"/>
+                <a:cs typeface="+mn-cs"/>
+              </a:defRPr>
+            </a:lvl8pPr>
+            <a:lvl9pPr marL="3886200" indent="-228600" algn="l" defTabSz="914400" rtl="0" eaLnBrk="1" latinLnBrk="1" hangingPunct="1">
+              <a:lnSpc>
+                <a:spcPct val="90000"/>
+              </a:lnSpc>
+              <a:spcBef>
+                <a:spcPts val="500"/>
+              </a:spcBef>
+              <a:buFont typeface="Arial" panose="020B0604020202020204" pitchFamily="34" charset="0"/>
+              <a:buChar char="•"/>
+              <a:defRPr sz="1800" kern="1200">
+                <a:solidFill>
+                  <a:schemeClr val="tx1"/>
+                </a:solidFill>
+                <a:latin typeface="+mn-lt"/>
+                <a:ea typeface="+mn-ea"/>
+                <a:cs typeface="+mn-cs"/>
+              </a:defRPr>
+            </a:lvl9pPr>
+          </a:lstStyle>
+          <a:p>
+            <a:pPr marL="0" indent="0">
+              <a:buNone/>
+            </a:pPr>
+            <a:r>
+              <a:rPr lang="ko-KR" altLang="en-US" dirty="0" smtClean="0"/>
+              <a:t>실습 </a:t>
+            </a:r>
+            <a:r>
+              <a:rPr lang="en-US" altLang="ko-KR" dirty="0" smtClean="0"/>
+              <a:t>8. “</a:t>
+            </a:r>
+            <a:r>
+              <a:rPr lang="ko-KR" altLang="en-US" dirty="0" smtClean="0"/>
+              <a:t>실습 </a:t>
+            </a:r>
+            <a:r>
+              <a:rPr lang="en-US" altLang="ko-KR" dirty="0" smtClean="0"/>
+              <a:t>7”</a:t>
+            </a:r>
+            <a:r>
+              <a:rPr lang="ko-KR" altLang="en-US" dirty="0" smtClean="0"/>
+              <a:t>에서 입력한 테이블을 이용하여 장르</a:t>
+            </a:r>
+            <a:r>
+              <a:rPr lang="en-US" altLang="ko-KR" dirty="0" smtClean="0"/>
+              <a:t>,</a:t>
+            </a:r>
+            <a:r>
+              <a:rPr lang="ko-KR" altLang="en-US" dirty="0" smtClean="0"/>
+              <a:t> </a:t>
+            </a:r>
+            <a:r>
+              <a:rPr lang="ko-KR" altLang="en-US" dirty="0" err="1" smtClean="0"/>
+              <a:t>공연명을</a:t>
+            </a:r>
+            <a:r>
+              <a:rPr lang="ko-KR" altLang="en-US" dirty="0" smtClean="0"/>
+              <a:t> </a:t>
+            </a:r>
+            <a:r>
+              <a:rPr lang="ko-KR" altLang="en-US" dirty="0" err="1" smtClean="0"/>
+              <a:t>출력하시오</a:t>
+            </a:r>
+            <a:r>
+              <a:rPr lang="en-US" altLang="ko-KR" dirty="0" smtClean="0"/>
+              <a:t>.</a:t>
+            </a:r>
+          </a:p>
+          <a:p>
+            <a:pPr marL="0" indent="0">
+              <a:buNone/>
+            </a:pPr>
+            <a:endParaRPr lang="en-US" altLang="ko-KR" dirty="0"/>
+          </a:p>
+          <a:p>
+            <a:pPr marL="0" indent="0">
+              <a:buNone/>
+            </a:pPr>
+            <a:r>
+              <a:rPr lang="ko-KR" altLang="en-US" dirty="0" smtClean="0"/>
+              <a:t>실습 </a:t>
+            </a:r>
+            <a:r>
+              <a:rPr lang="en-US" altLang="ko-KR" dirty="0" smtClean="0"/>
+              <a:t>9. </a:t>
+            </a:r>
+            <a:r>
+              <a:rPr lang="en-US" altLang="ko-KR" dirty="0"/>
+              <a:t>“</a:t>
+            </a:r>
+            <a:r>
+              <a:rPr lang="ko-KR" altLang="en-US" dirty="0"/>
+              <a:t>실습 </a:t>
+            </a:r>
+            <a:r>
+              <a:rPr lang="en-US" altLang="ko-KR" dirty="0"/>
+              <a:t>7”</a:t>
+            </a:r>
+            <a:r>
+              <a:rPr lang="ko-KR" altLang="en-US" dirty="0"/>
+              <a:t>에서 입력한 테이블을 이용하여 </a:t>
+            </a:r>
+            <a:r>
+              <a:rPr lang="ko-KR" altLang="en-US" dirty="0" smtClean="0"/>
+              <a:t>장르</a:t>
+            </a:r>
+            <a:r>
+              <a:rPr lang="en-US" altLang="ko-KR" dirty="0" smtClean="0"/>
+              <a:t>, </a:t>
+            </a:r>
+            <a:r>
+              <a:rPr lang="ko-KR" altLang="en-US" dirty="0" err="1" smtClean="0"/>
+              <a:t>공연명을</a:t>
+            </a:r>
+            <a:r>
+              <a:rPr lang="ko-KR" altLang="en-US" dirty="0" smtClean="0"/>
+              <a:t> </a:t>
+            </a:r>
+            <a:r>
+              <a:rPr lang="ko-KR" altLang="en-US" dirty="0" err="1" smtClean="0"/>
+              <a:t>출력하시오</a:t>
+            </a:r>
+            <a:r>
+              <a:rPr lang="en-US" altLang="ko-KR" dirty="0" smtClean="0"/>
+              <a:t>(</a:t>
+            </a:r>
+            <a:r>
+              <a:rPr lang="ko-KR" altLang="en-US" dirty="0" smtClean="0"/>
+              <a:t>장르가 없는 공연도 함께 출력</a:t>
+            </a:r>
+            <a:r>
+              <a:rPr lang="en-US" altLang="ko-KR" dirty="0" smtClean="0"/>
+              <a:t>)</a:t>
+            </a:r>
+          </a:p>
+          <a:p>
+            <a:pPr marL="0" indent="0">
+              <a:buNone/>
+            </a:pPr>
+            <a:endParaRPr lang="en-US" altLang="ko-KR" dirty="0"/>
+          </a:p>
+          <a:p>
+            <a:pPr marL="0" indent="0">
+              <a:buNone/>
+            </a:pPr>
+            <a:r>
+              <a:rPr lang="ko-KR" altLang="en-US" dirty="0" smtClean="0"/>
+              <a:t>실습 </a:t>
+            </a:r>
+            <a:r>
+              <a:rPr lang="en-US" altLang="ko-KR" dirty="0" smtClean="0"/>
+              <a:t>10. “</a:t>
+            </a:r>
+            <a:r>
+              <a:rPr lang="ko-KR" altLang="en-US" dirty="0" smtClean="0"/>
+              <a:t>실습 </a:t>
+            </a:r>
+            <a:r>
+              <a:rPr lang="en-US" altLang="ko-KR" dirty="0" smtClean="0"/>
+              <a:t>7”</a:t>
+            </a:r>
+            <a:r>
+              <a:rPr lang="ko-KR" altLang="en-US" dirty="0" smtClean="0"/>
+              <a:t>에서 입력한 테이블을 이용하여 장르별 공연 건수 를 출력 하시오</a:t>
+            </a:r>
+            <a:r>
+              <a:rPr lang="en-US" altLang="ko-KR" dirty="0" smtClean="0"/>
+              <a:t>.</a:t>
+            </a:r>
+            <a:endParaRPr lang="en-US" altLang="ko-KR" dirty="0"/>
+          </a:p>
+        </p:txBody>
+      </p:sp>
+    </p:spTree>
+    <p:extLst>
+      <p:ext uri="{BB962C8B-B14F-4D97-AF65-F5344CB8AC3E}">
+        <p14:creationId xmlns:p14="http://schemas.microsoft.com/office/powerpoint/2010/main" val="1640142591"/>
+      </p:ext>
+    </p:extLst>
+  </p:cSld>
+  <p:clrMapOvr>
+    <a:masterClrMapping/>
+  </p:clrMapOvr>
+</p:sld>
+</file>
+
+<file path=ppt/slides/slide33.xml><?xml version="1.0" encoding="utf-8"?>
+<p:sld xmlns:a="http://schemas.openxmlformats.org/drawingml/2006/main" xmlns:r="http://schemas.openxmlformats.org/officeDocument/2006/relationships" xmlns:p="http://schemas.openxmlformats.org/presentationml/2006/main">
+  <p:cSld>
+    <p:spTree>
+      <p:nvGrpSpPr>
+        <p:cNvPr id="1" name=""/>
+        <p:cNvGrpSpPr/>
+        <p:nvPr/>
+      </p:nvGrpSpPr>
+      <p:grpSpPr>
+        <a:xfrm>
+          <a:off x="0" y="0"/>
+          <a:ext cx="0" cy="0"/>
+          <a:chOff x="0" y="0"/>
+          <a:chExt cx="0" cy="0"/>
+        </a:xfrm>
+      </p:grpSpPr>
+      <p:sp>
+        <p:nvSpPr>
+          <p:cNvPr id="2" name="도형 17"/>
+          <p:cNvSpPr>
+            <a:spLocks/>
+          </p:cNvSpPr>
+          <p:nvPr/>
+        </p:nvSpPr>
+        <p:spPr>
+          <a:xfrm>
+            <a:off x="765868" y="316230"/>
+            <a:ext cx="1090363" cy="454292"/>
+          </a:xfrm>
+          <a:prstGeom prst="rect">
+            <a:avLst/>
+          </a:prstGeom>
+          <a:ln w="0">
+            <a:noFill/>
+            <a:prstDash/>
+          </a:ln>
+        </p:spPr>
+        <p:txBody>
+          <a:bodyPr vert="horz" wrap="none" lIns="91440" tIns="45720" rIns="91440" bIns="45720" numCol="1" anchor="t">
+            <a:spAutoFit/>
+          </a:bodyPr>
+          <a:lstStyle/>
+          <a:p>
+            <a:pPr marL="0" indent="0" latinLnBrk="0">
+              <a:lnSpc>
+                <a:spcPct val="150000"/>
+              </a:lnSpc>
+              <a:buFontTx/>
+              <a:buNone/>
+            </a:pPr>
+            <a:r>
+              <a:rPr lang="en-US" altLang="ko-KR" dirty="0" smtClean="0">
+                <a:solidFill>
+                  <a:schemeClr val="bg1"/>
+                </a:solidFill>
+              </a:rPr>
+              <a:t>SQL Join</a:t>
+            </a:r>
+            <a:endParaRPr lang="ko-KR" altLang="en-US" dirty="0">
+              <a:solidFill>
+                <a:schemeClr val="bg1"/>
+              </a:solidFill>
+            </a:endParaRPr>
+          </a:p>
+        </p:txBody>
+      </p:sp>
+      <p:sp>
+        <p:nvSpPr>
+          <p:cNvPr id="3" name="내용 개체 틀 2"/>
+          <p:cNvSpPr txBox="1">
+            <a:spLocks/>
+          </p:cNvSpPr>
+          <p:nvPr/>
+        </p:nvSpPr>
+        <p:spPr>
+          <a:xfrm>
+            <a:off x="457200" y="1240078"/>
+            <a:ext cx="11222182" cy="4886086"/>
+          </a:xfrm>
+          <a:prstGeom prst="rect">
+            <a:avLst/>
+          </a:prstGeom>
+        </p:spPr>
+        <p:txBody>
+          <a:bodyPr/>
+          <a:lstStyle>
+            <a:lvl1pPr marL="228600" indent="-228600" algn="l" defTabSz="914400" rtl="0" eaLnBrk="1" latinLnBrk="1" hangingPunct="1">
+              <a:lnSpc>
+                <a:spcPct val="90000"/>
+              </a:lnSpc>
+              <a:spcBef>
+                <a:spcPts val="1000"/>
+              </a:spcBef>
+              <a:buFont typeface="Arial" panose="020B0604020202020204" pitchFamily="34" charset="0"/>
+              <a:buChar char="•"/>
+              <a:defRPr sz="2800" kern="1200">
+                <a:solidFill>
+                  <a:schemeClr val="tx1"/>
+                </a:solidFill>
+                <a:latin typeface="+mn-lt"/>
+                <a:ea typeface="+mn-ea"/>
+                <a:cs typeface="+mn-cs"/>
+              </a:defRPr>
+            </a:lvl1pPr>
+            <a:lvl2pPr marL="685800" indent="-228600" algn="l" defTabSz="914400" rtl="0" eaLnBrk="1" latinLnBrk="1" hangingPunct="1">
+              <a:lnSpc>
+                <a:spcPct val="90000"/>
+              </a:lnSpc>
+              <a:spcBef>
+                <a:spcPts val="500"/>
+              </a:spcBef>
+              <a:buFont typeface="Arial" panose="020B0604020202020204" pitchFamily="34" charset="0"/>
+              <a:buChar char="•"/>
+              <a:defRPr sz="2400" kern="1200">
+                <a:solidFill>
+                  <a:schemeClr val="tx1"/>
+                </a:solidFill>
+                <a:latin typeface="+mn-lt"/>
+                <a:ea typeface="+mn-ea"/>
+                <a:cs typeface="+mn-cs"/>
+              </a:defRPr>
+            </a:lvl2pPr>
+            <a:lvl3pPr marL="1143000" indent="-228600" algn="l" defTabSz="914400" rtl="0" eaLnBrk="1" latinLnBrk="1" hangingPunct="1">
+              <a:lnSpc>
+                <a:spcPct val="90000"/>
+              </a:lnSpc>
+              <a:spcBef>
+                <a:spcPts val="500"/>
+              </a:spcBef>
+              <a:buFont typeface="Arial" panose="020B0604020202020204" pitchFamily="34" charset="0"/>
+              <a:buChar char="•"/>
+              <a:defRPr sz="2000" kern="1200">
+                <a:solidFill>
+                  <a:schemeClr val="tx1"/>
+                </a:solidFill>
+                <a:latin typeface="+mn-lt"/>
+                <a:ea typeface="+mn-ea"/>
+                <a:cs typeface="+mn-cs"/>
+              </a:defRPr>
+            </a:lvl3pPr>
+            <a:lvl4pPr marL="1600200" indent="-228600" algn="l" defTabSz="914400" rtl="0" eaLnBrk="1" latinLnBrk="1" hangingPunct="1">
+              <a:lnSpc>
+                <a:spcPct val="90000"/>
+              </a:lnSpc>
+              <a:spcBef>
+                <a:spcPts val="500"/>
+              </a:spcBef>
+              <a:buFont typeface="Arial" panose="020B0604020202020204" pitchFamily="34" charset="0"/>
+              <a:buChar char="•"/>
+              <a:defRPr sz="1800" kern="1200">
+                <a:solidFill>
+                  <a:schemeClr val="tx1"/>
+                </a:solidFill>
+                <a:latin typeface="+mn-lt"/>
+                <a:ea typeface="+mn-ea"/>
+                <a:cs typeface="+mn-cs"/>
+              </a:defRPr>
+            </a:lvl4pPr>
+            <a:lvl5pPr marL="2057400" indent="-228600" algn="l" defTabSz="914400" rtl="0" eaLnBrk="1" latinLnBrk="1" hangingPunct="1">
+              <a:lnSpc>
+                <a:spcPct val="90000"/>
+              </a:lnSpc>
+              <a:spcBef>
+                <a:spcPts val="500"/>
+              </a:spcBef>
+              <a:buFont typeface="Arial" panose="020B0604020202020204" pitchFamily="34" charset="0"/>
+              <a:buChar char="•"/>
+              <a:defRPr sz="1800" kern="1200">
+                <a:solidFill>
+                  <a:schemeClr val="tx1"/>
+                </a:solidFill>
+                <a:latin typeface="+mn-lt"/>
+                <a:ea typeface="+mn-ea"/>
+                <a:cs typeface="+mn-cs"/>
+              </a:defRPr>
+            </a:lvl5pPr>
+            <a:lvl6pPr marL="2514600" indent="-228600" algn="l" defTabSz="914400" rtl="0" eaLnBrk="1" latinLnBrk="1" hangingPunct="1">
+              <a:lnSpc>
+                <a:spcPct val="90000"/>
+              </a:lnSpc>
+              <a:spcBef>
+                <a:spcPts val="500"/>
+              </a:spcBef>
+              <a:buFont typeface="Arial" panose="020B0604020202020204" pitchFamily="34" charset="0"/>
+              <a:buChar char="•"/>
+              <a:defRPr sz="1800" kern="1200">
+                <a:solidFill>
+                  <a:schemeClr val="tx1"/>
+                </a:solidFill>
+                <a:latin typeface="+mn-lt"/>
+                <a:ea typeface="+mn-ea"/>
+                <a:cs typeface="+mn-cs"/>
+              </a:defRPr>
+            </a:lvl6pPr>
+            <a:lvl7pPr marL="2971800" indent="-228600" algn="l" defTabSz="914400" rtl="0" eaLnBrk="1" latinLnBrk="1" hangingPunct="1">
+              <a:lnSpc>
+                <a:spcPct val="90000"/>
+              </a:lnSpc>
+              <a:spcBef>
+                <a:spcPts val="500"/>
+              </a:spcBef>
+              <a:buFont typeface="Arial" panose="020B0604020202020204" pitchFamily="34" charset="0"/>
+              <a:buChar char="•"/>
+              <a:defRPr sz="1800" kern="1200">
+                <a:solidFill>
+                  <a:schemeClr val="tx1"/>
+                </a:solidFill>
+                <a:latin typeface="+mn-lt"/>
+                <a:ea typeface="+mn-ea"/>
+                <a:cs typeface="+mn-cs"/>
+              </a:defRPr>
+            </a:lvl7pPr>
+            <a:lvl8pPr marL="3429000" indent="-228600" algn="l" defTabSz="914400" rtl="0" eaLnBrk="1" latinLnBrk="1" hangingPunct="1">
+              <a:lnSpc>
+                <a:spcPct val="90000"/>
+              </a:lnSpc>
+              <a:spcBef>
+                <a:spcPts val="500"/>
+              </a:spcBef>
+              <a:buFont typeface="Arial" panose="020B0604020202020204" pitchFamily="34" charset="0"/>
+              <a:buChar char="•"/>
+              <a:defRPr sz="1800" kern="1200">
+                <a:solidFill>
+                  <a:schemeClr val="tx1"/>
+                </a:solidFill>
+                <a:latin typeface="+mn-lt"/>
+                <a:ea typeface="+mn-ea"/>
+                <a:cs typeface="+mn-cs"/>
+              </a:defRPr>
+            </a:lvl8pPr>
+            <a:lvl9pPr marL="3886200" indent="-228600" algn="l" defTabSz="914400" rtl="0" eaLnBrk="1" latinLnBrk="1" hangingPunct="1">
+              <a:lnSpc>
+                <a:spcPct val="90000"/>
+              </a:lnSpc>
+              <a:spcBef>
+                <a:spcPts val="500"/>
+              </a:spcBef>
+              <a:buFont typeface="Arial" panose="020B0604020202020204" pitchFamily="34" charset="0"/>
+              <a:buChar char="•"/>
+              <a:defRPr sz="1800" kern="1200">
+                <a:solidFill>
+                  <a:schemeClr val="tx1"/>
+                </a:solidFill>
+                <a:latin typeface="+mn-lt"/>
+                <a:ea typeface="+mn-ea"/>
+                <a:cs typeface="+mn-cs"/>
+              </a:defRPr>
+            </a:lvl9pPr>
+          </a:lstStyle>
+          <a:p>
+            <a:pPr marL="0" indent="0">
+              <a:buNone/>
+            </a:pPr>
+            <a:r>
+              <a:rPr lang="ko-KR" altLang="en-US" dirty="0" err="1" smtClean="0"/>
+              <a:t>추가실습</a:t>
+            </a:r>
+            <a:r>
+              <a:rPr lang="ko-KR" altLang="en-US" dirty="0" smtClean="0"/>
+              <a:t> </a:t>
+            </a:r>
+            <a:r>
+              <a:rPr lang="en-US" altLang="ko-KR" dirty="0" smtClean="0"/>
+              <a:t>1. </a:t>
+            </a:r>
+            <a:r>
+              <a:rPr lang="ko-KR" altLang="en-US" dirty="0" smtClean="0"/>
+              <a:t>제조사</a:t>
+            </a:r>
+            <a:r>
+              <a:rPr lang="en-US" altLang="ko-KR" dirty="0" smtClean="0"/>
+              <a:t>_</a:t>
+            </a:r>
+            <a:r>
+              <a:rPr lang="ko-KR" altLang="en-US" dirty="0" smtClean="0"/>
+              <a:t>상품 </a:t>
+            </a:r>
+            <a:r>
+              <a:rPr lang="en-US" altLang="ko-KR" dirty="0" smtClean="0"/>
+              <a:t>sheet</a:t>
+            </a:r>
+            <a:r>
+              <a:rPr lang="ko-KR" altLang="en-US" dirty="0" smtClean="0"/>
+              <a:t> 정보를 이용하여 테이블을 만들고 데이터를 입력 하시오</a:t>
+            </a:r>
+            <a:r>
+              <a:rPr lang="en-US" altLang="ko-KR" dirty="0" smtClean="0"/>
+              <a:t>.</a:t>
+            </a:r>
+          </a:p>
+          <a:p>
+            <a:pPr marL="0" indent="0">
+              <a:buNone/>
+            </a:pPr>
+            <a:endParaRPr lang="en-US" altLang="ko-KR" dirty="0"/>
+          </a:p>
+          <a:p>
+            <a:pPr marL="0" indent="0">
+              <a:buNone/>
+            </a:pPr>
+            <a:r>
+              <a:rPr lang="ko-KR" altLang="en-US" dirty="0" err="1" smtClean="0"/>
+              <a:t>추가실습</a:t>
+            </a:r>
+            <a:r>
+              <a:rPr lang="ko-KR" altLang="en-US" dirty="0" smtClean="0"/>
+              <a:t> </a:t>
+            </a:r>
+            <a:r>
+              <a:rPr lang="en-US" altLang="ko-KR" dirty="0" smtClean="0"/>
+              <a:t>2. “</a:t>
+            </a:r>
+            <a:r>
+              <a:rPr lang="ko-KR" altLang="en-US" dirty="0" err="1" smtClean="0"/>
+              <a:t>추가실습</a:t>
+            </a:r>
+            <a:r>
+              <a:rPr lang="ko-KR" altLang="en-US" dirty="0" smtClean="0"/>
+              <a:t> </a:t>
+            </a:r>
+            <a:r>
+              <a:rPr lang="en-US" altLang="ko-KR" dirty="0" smtClean="0"/>
+              <a:t>1”</a:t>
+            </a:r>
+            <a:r>
+              <a:rPr lang="ko-KR" altLang="en-US" dirty="0"/>
+              <a:t> </a:t>
+            </a:r>
+            <a:r>
+              <a:rPr lang="ko-KR" altLang="en-US" dirty="0" smtClean="0"/>
+              <a:t>내용으로 제조사별 상품정보를 </a:t>
+            </a:r>
+            <a:r>
+              <a:rPr lang="ko-KR" altLang="en-US" dirty="0" err="1" smtClean="0"/>
+              <a:t>출력하시오</a:t>
+            </a:r>
+            <a:r>
+              <a:rPr lang="en-US" altLang="ko-KR" dirty="0" smtClean="0"/>
+              <a:t>.</a:t>
+            </a:r>
+          </a:p>
+          <a:p>
+            <a:pPr marL="0" indent="0">
+              <a:buNone/>
+            </a:pPr>
+            <a:endParaRPr lang="en-US" altLang="ko-KR" dirty="0"/>
+          </a:p>
+          <a:p>
+            <a:pPr marL="0" indent="0">
+              <a:buNone/>
+            </a:pPr>
+            <a:r>
+              <a:rPr lang="ko-KR" altLang="en-US" dirty="0" err="1"/>
+              <a:t>추가실습</a:t>
+            </a:r>
+            <a:r>
+              <a:rPr lang="ko-KR" altLang="en-US" dirty="0"/>
+              <a:t> </a:t>
+            </a:r>
+            <a:r>
+              <a:rPr lang="en-US" altLang="ko-KR" dirty="0" smtClean="0"/>
+              <a:t>3. </a:t>
+            </a:r>
+            <a:r>
+              <a:rPr lang="en-US" altLang="ko-KR" dirty="0"/>
+              <a:t>“</a:t>
+            </a:r>
+            <a:r>
+              <a:rPr lang="ko-KR" altLang="en-US" dirty="0" err="1"/>
+              <a:t>추가실습</a:t>
+            </a:r>
+            <a:r>
+              <a:rPr lang="ko-KR" altLang="en-US" dirty="0"/>
+              <a:t> </a:t>
+            </a:r>
+            <a:r>
+              <a:rPr lang="en-US" altLang="ko-KR" dirty="0"/>
+              <a:t>1”</a:t>
+            </a:r>
+            <a:r>
+              <a:rPr lang="ko-KR" altLang="en-US" dirty="0"/>
+              <a:t> 내용으로 </a:t>
+            </a:r>
+            <a:r>
+              <a:rPr lang="ko-KR" altLang="en-US" dirty="0" smtClean="0"/>
+              <a:t>제조사별 상품명과 상품가격 및 판매 수량을 출력 하시오</a:t>
+            </a:r>
+            <a:endParaRPr lang="en-US" altLang="ko-KR" dirty="0" smtClean="0"/>
+          </a:p>
+          <a:p>
+            <a:pPr marL="0" indent="0">
+              <a:buNone/>
+            </a:pPr>
+            <a:endParaRPr lang="en-US" altLang="ko-KR" dirty="0" smtClean="0"/>
+          </a:p>
+          <a:p>
+            <a:pPr marL="0" indent="0">
+              <a:buNone/>
+            </a:pPr>
+            <a:r>
+              <a:rPr lang="ko-KR" altLang="en-US" dirty="0" err="1"/>
+              <a:t>추가실습</a:t>
+            </a:r>
+            <a:r>
+              <a:rPr lang="ko-KR" altLang="en-US" dirty="0"/>
+              <a:t> </a:t>
+            </a:r>
+            <a:r>
+              <a:rPr lang="en-US" altLang="ko-KR" dirty="0" smtClean="0"/>
+              <a:t>4. </a:t>
+            </a:r>
+            <a:r>
+              <a:rPr lang="en-US" altLang="ko-KR" dirty="0"/>
+              <a:t>“</a:t>
+            </a:r>
+            <a:r>
+              <a:rPr lang="ko-KR" altLang="en-US" dirty="0" err="1"/>
+              <a:t>추가실습</a:t>
+            </a:r>
+            <a:r>
+              <a:rPr lang="ko-KR" altLang="en-US" dirty="0"/>
+              <a:t> </a:t>
+            </a:r>
+            <a:r>
+              <a:rPr lang="en-US" altLang="ko-KR" dirty="0"/>
+              <a:t>1”</a:t>
+            </a:r>
+            <a:r>
+              <a:rPr lang="ko-KR" altLang="en-US" dirty="0"/>
+              <a:t> 내용으로 </a:t>
+            </a:r>
+            <a:r>
+              <a:rPr lang="ko-KR" altLang="en-US" dirty="0" smtClean="0"/>
+              <a:t>상품별 가격 합계를 </a:t>
+            </a:r>
+            <a:r>
+              <a:rPr lang="ko-KR" altLang="en-US" dirty="0" err="1" smtClean="0"/>
+              <a:t>출력하시오</a:t>
+            </a:r>
+            <a:endParaRPr lang="en-US" altLang="ko-KR" dirty="0" smtClean="0"/>
+          </a:p>
+          <a:p>
+            <a:pPr marL="0" indent="0">
+              <a:buNone/>
+            </a:pPr>
+            <a:endParaRPr lang="en-US" altLang="ko-KR" dirty="0" smtClean="0"/>
+          </a:p>
+        </p:txBody>
+      </p:sp>
+    </p:spTree>
+    <p:extLst>
+      <p:ext uri="{BB962C8B-B14F-4D97-AF65-F5344CB8AC3E}">
+        <p14:creationId xmlns:p14="http://schemas.microsoft.com/office/powerpoint/2010/main" val="312070945"/>
+      </p:ext>
+    </p:extLst>
+  </p:cSld>
+  <p:clrMapOvr>
+    <a:masterClrMapping/>
+  </p:clrMapOvr>
+</p:sld>
+</file>
+
 <file path=ppt/slides/slide4.xml><?xml version="1.0" encoding="utf-8"?>
 <p:sld xmlns:a="http://schemas.openxmlformats.org/drawingml/2006/main" xmlns:r="http://schemas.openxmlformats.org/officeDocument/2006/relationships" xmlns:p="http://schemas.openxmlformats.org/presentationml/2006/main">
   <p:cSld>
@@ -14625,7 +16880,6 @@
               <a:rPr lang="en-US" altLang="ko-KR" dirty="0"/>
               <a:t>ON A.C_ID = B.C_ID;</a:t>
             </a:r>
-            <a:endParaRPr lang="en-US" altLang="ko-KR" dirty="0"/>
           </a:p>
         </p:txBody>
       </p:sp>
